--- a/files/Atomproject(코로냥).pptx
+++ b/files/Atomproject(코로냥).pptx
@@ -25,20 +25,20 @@
       <p:regular r:id="rId10"/>
     </p:embeddedFont>
     <p:embeddedFont>
+      <p:font typeface="나눔스퀘어라운드 ExtraBold" panose="020B0600000101010101" pitchFamily="50" charset="-127"/>
+      <p:bold r:id="rId11"/>
+    </p:embeddedFont>
+    <p:embeddedFont>
       <p:font typeface="맑은 고딕" panose="020B0503020000020004" pitchFamily="50" charset="-127"/>
-      <p:regular r:id="rId11"/>
-      <p:bold r:id="rId12"/>
+      <p:regular r:id="rId12"/>
+      <p:bold r:id="rId13"/>
     </p:embeddedFont>
     <p:embeddedFont>
       <p:font typeface="Calibri" panose="020F0502020204030204" pitchFamily="34" charset="0"/>
-      <p:regular r:id="rId13"/>
-      <p:bold r:id="rId14"/>
-      <p:italic r:id="rId15"/>
-      <p:boldItalic r:id="rId16"/>
-    </p:embeddedFont>
-    <p:embeddedFont>
-      <p:font typeface="나눔스퀘어라운드 ExtraBold" panose="020B0600000101010101" pitchFamily="50" charset="-127"/>
-      <p:bold r:id="rId17"/>
+      <p:regular r:id="rId14"/>
+      <p:bold r:id="rId15"/>
+      <p:italic r:id="rId16"/>
+      <p:boldItalic r:id="rId17"/>
     </p:embeddedFont>
   </p:embeddedFontLst>
   <p:defaultTextStyle>
@@ -138,7 +138,7 @@
   </p:defaultTextStyle>
   <p:extLst>
     <p:ext uri="{EFAFB233-063F-42B5-8137-9DF3F51BA10A}">
-      <p15:sldGuideLst xmlns="" xmlns:p15="http://schemas.microsoft.com/office/powerpoint/2012/main"/>
+      <p15:sldGuideLst xmlns:p15="http://schemas.microsoft.com/office/powerpoint/2012/main" xmlns=""/>
     </p:ext>
   </p:extLst>
 </p:presentation>
@@ -520,7 +520,7 @@
           <p:cNvPr id="2" name="직사각형 1">
             <a:extLst>
               <a:ext uri="{FF2B5EF4-FFF2-40B4-BE49-F238E27FC236}">
-                <a16:creationId xmlns="" xmlns:a16="http://schemas.microsoft.com/office/drawing/2014/main" id="{2DE64CCB-FD7C-4C91-ADF0-78922B185B7E}"/>
+                <a16:creationId xmlns:a16="http://schemas.microsoft.com/office/drawing/2014/main" xmlns="" id="{2DE64CCB-FD7C-4C91-ADF0-78922B185B7E}"/>
               </a:ext>
             </a:extLst>
           </p:cNvPr>
@@ -641,7 +641,7 @@
           <p:cNvPr id="53" name="자유형: 도형 52">
             <a:extLst>
               <a:ext uri="{FF2B5EF4-FFF2-40B4-BE49-F238E27FC236}">
-                <a16:creationId xmlns="" xmlns:a16="http://schemas.microsoft.com/office/drawing/2014/main" id="{C2B218A4-466F-426B-A353-DD4B65C27FDE}"/>
+                <a16:creationId xmlns:a16="http://schemas.microsoft.com/office/drawing/2014/main" xmlns="" id="{C2B218A4-466F-426B-A353-DD4B65C27FDE}"/>
               </a:ext>
             </a:extLst>
           </p:cNvPr>
@@ -768,7 +768,7 @@
           <p:cNvPr id="54" name="자유형: 도형 53">
             <a:extLst>
               <a:ext uri="{FF2B5EF4-FFF2-40B4-BE49-F238E27FC236}">
-                <a16:creationId xmlns="" xmlns:a16="http://schemas.microsoft.com/office/drawing/2014/main" id="{0C9240A9-3E46-4013-AABB-A6A3324980EB}"/>
+                <a16:creationId xmlns:a16="http://schemas.microsoft.com/office/drawing/2014/main" xmlns="" id="{0C9240A9-3E46-4013-AABB-A6A3324980EB}"/>
               </a:ext>
             </a:extLst>
           </p:cNvPr>
@@ -877,7 +877,7 @@
           <p:cNvPr id="46" name="자유형: 도형 45">
             <a:extLst>
               <a:ext uri="{FF2B5EF4-FFF2-40B4-BE49-F238E27FC236}">
-                <a16:creationId xmlns="" xmlns:a16="http://schemas.microsoft.com/office/drawing/2014/main" id="{BB1CAE2A-7243-457E-948B-10EFAA91B61C}"/>
+                <a16:creationId xmlns:a16="http://schemas.microsoft.com/office/drawing/2014/main" xmlns="" id="{BB1CAE2A-7243-457E-948B-10EFAA91B61C}"/>
               </a:ext>
             </a:extLst>
           </p:cNvPr>
@@ -986,7 +986,7 @@
           <p:cNvPr id="55" name="자유형: 도형 54">
             <a:extLst>
               <a:ext uri="{FF2B5EF4-FFF2-40B4-BE49-F238E27FC236}">
-                <a16:creationId xmlns="" xmlns:a16="http://schemas.microsoft.com/office/drawing/2014/main" id="{4D800BE6-0BA9-42DC-B024-DC956B1F2BD0}"/>
+                <a16:creationId xmlns:a16="http://schemas.microsoft.com/office/drawing/2014/main" xmlns="" id="{4D800BE6-0BA9-42DC-B024-DC956B1F2BD0}"/>
               </a:ext>
             </a:extLst>
           </p:cNvPr>
@@ -1098,7 +1098,7 @@
           <p:cNvPr id="12" name="TextBox 11">
             <a:extLst>
               <a:ext uri="{FF2B5EF4-FFF2-40B4-BE49-F238E27FC236}">
-                <a16:creationId xmlns="" xmlns:a16="http://schemas.microsoft.com/office/drawing/2014/main" id="{690FCC8F-854E-4A17-8F3A-2B8C45FC5FE9}"/>
+                <a16:creationId xmlns:a16="http://schemas.microsoft.com/office/drawing/2014/main" xmlns="" id="{690FCC8F-854E-4A17-8F3A-2B8C45FC5FE9}"/>
               </a:ext>
             </a:extLst>
           </p:cNvPr>
@@ -1194,7 +1194,7 @@
           <p:cNvPr id="13" name="TextBox 12">
             <a:extLst>
               <a:ext uri="{FF2B5EF4-FFF2-40B4-BE49-F238E27FC236}">
-                <a16:creationId xmlns="" xmlns:a16="http://schemas.microsoft.com/office/drawing/2014/main" id="{E7F957CE-5756-4213-85EE-B2378185C525}"/>
+                <a16:creationId xmlns:a16="http://schemas.microsoft.com/office/drawing/2014/main" xmlns="" id="{E7F957CE-5756-4213-85EE-B2378185C525}"/>
               </a:ext>
             </a:extLst>
           </p:cNvPr>
@@ -1305,7 +1305,7 @@
           <p:cNvPr id="18" name="TextBox 17">
             <a:extLst>
               <a:ext uri="{FF2B5EF4-FFF2-40B4-BE49-F238E27FC236}">
-                <a16:creationId xmlns="" xmlns:a16="http://schemas.microsoft.com/office/drawing/2014/main" id="{436F539E-7984-4F05-8960-901E0BABE92A}"/>
+                <a16:creationId xmlns:a16="http://schemas.microsoft.com/office/drawing/2014/main" xmlns="" id="{436F539E-7984-4F05-8960-901E0BABE92A}"/>
               </a:ext>
             </a:extLst>
           </p:cNvPr>
@@ -1472,7 +1472,7 @@
           <p:cNvPr id="42" name="TextBox 41">
             <a:extLst>
               <a:ext uri="{FF2B5EF4-FFF2-40B4-BE49-F238E27FC236}">
-                <a16:creationId xmlns="" xmlns:a16="http://schemas.microsoft.com/office/drawing/2014/main" id="{6F36EE3B-7F89-4294-A569-465F328D4E38}"/>
+                <a16:creationId xmlns:a16="http://schemas.microsoft.com/office/drawing/2014/main" xmlns="" id="{6F36EE3B-7F89-4294-A569-465F328D4E38}"/>
               </a:ext>
             </a:extLst>
           </p:cNvPr>
@@ -1568,7 +1568,7 @@
           <p:cNvPr id="43" name="TextBox 42">
             <a:extLst>
               <a:ext uri="{FF2B5EF4-FFF2-40B4-BE49-F238E27FC236}">
-                <a16:creationId xmlns="" xmlns:a16="http://schemas.microsoft.com/office/drawing/2014/main" id="{66A897DC-15C0-4E32-9348-CE673ADB1C95}"/>
+                <a16:creationId xmlns:a16="http://schemas.microsoft.com/office/drawing/2014/main" xmlns="" id="{66A897DC-15C0-4E32-9348-CE673ADB1C95}"/>
               </a:ext>
             </a:extLst>
           </p:cNvPr>
@@ -1772,7 +1772,7 @@
           <p:cNvPr id="5" name="직사각형 4">
             <a:extLst>
               <a:ext uri="{FF2B5EF4-FFF2-40B4-BE49-F238E27FC236}">
-                <a16:creationId xmlns="" xmlns:a16="http://schemas.microsoft.com/office/drawing/2014/main" id="{CC10870F-E8D7-4A39-9B9C-05FDCE97B2DD}"/>
+                <a16:creationId xmlns:a16="http://schemas.microsoft.com/office/drawing/2014/main" xmlns="" id="{CC10870F-E8D7-4A39-9B9C-05FDCE97B2DD}"/>
               </a:ext>
             </a:extLst>
           </p:cNvPr>
@@ -1824,7 +1824,7 @@
           <p:cNvPr id="6" name="직사각형 1">
             <a:extLst>
               <a:ext uri="{FF2B5EF4-FFF2-40B4-BE49-F238E27FC236}">
-                <a16:creationId xmlns="" xmlns:a16="http://schemas.microsoft.com/office/drawing/2014/main" id="{EC5C0E8E-38D4-4AD8-88EC-EC5547E987DC}"/>
+                <a16:creationId xmlns:a16="http://schemas.microsoft.com/office/drawing/2014/main" xmlns="" id="{EC5C0E8E-38D4-4AD8-88EC-EC5547E987DC}"/>
               </a:ext>
             </a:extLst>
           </p:cNvPr>
@@ -1945,7 +1945,7 @@
           <p:cNvPr id="9" name="TextBox 8">
             <a:extLst>
               <a:ext uri="{FF2B5EF4-FFF2-40B4-BE49-F238E27FC236}">
-                <a16:creationId xmlns="" xmlns:a16="http://schemas.microsoft.com/office/drawing/2014/main" id="{8E807B52-AA8E-46B3-B325-6CD94F8E69E5}"/>
+                <a16:creationId xmlns:a16="http://schemas.microsoft.com/office/drawing/2014/main" xmlns="" id="{8E807B52-AA8E-46B3-B325-6CD94F8E69E5}"/>
               </a:ext>
             </a:extLst>
           </p:cNvPr>
@@ -2008,7 +2008,7 @@
           <p:cNvPr id="10" name="TextBox 9">
             <a:extLst>
               <a:ext uri="{FF2B5EF4-FFF2-40B4-BE49-F238E27FC236}">
-                <a16:creationId xmlns="" xmlns:a16="http://schemas.microsoft.com/office/drawing/2014/main" id="{CEB5856D-7BA3-43D5-A0EE-C7DAA09CD1CA}"/>
+                <a16:creationId xmlns:a16="http://schemas.microsoft.com/office/drawing/2014/main" xmlns="" id="{CEB5856D-7BA3-43D5-A0EE-C7DAA09CD1CA}"/>
               </a:ext>
             </a:extLst>
           </p:cNvPr>
@@ -2112,7 +2112,7 @@
           <p:cNvPr id="11" name="TextBox 10">
             <a:extLst>
               <a:ext uri="{FF2B5EF4-FFF2-40B4-BE49-F238E27FC236}">
-                <a16:creationId xmlns="" xmlns:a16="http://schemas.microsoft.com/office/drawing/2014/main" id="{5779A4D6-5165-4E6F-9768-FCE10F10B646}"/>
+                <a16:creationId xmlns:a16="http://schemas.microsoft.com/office/drawing/2014/main" xmlns="" id="{5779A4D6-5165-4E6F-9768-FCE10F10B646}"/>
               </a:ext>
             </a:extLst>
           </p:cNvPr>
@@ -2186,7 +2186,7 @@
           <p:cNvPr id="13" name="TextBox 12">
             <a:extLst>
               <a:ext uri="{FF2B5EF4-FFF2-40B4-BE49-F238E27FC236}">
-                <a16:creationId xmlns="" xmlns:a16="http://schemas.microsoft.com/office/drawing/2014/main" id="{3C605F90-AE1D-4F99-A6B3-721C3FEC3499}"/>
+                <a16:creationId xmlns:a16="http://schemas.microsoft.com/office/drawing/2014/main" xmlns="" id="{3C605F90-AE1D-4F99-A6B3-721C3FEC3499}"/>
               </a:ext>
             </a:extLst>
           </p:cNvPr>
@@ -2260,7 +2260,7 @@
           <p:cNvPr id="14" name="TextBox 13">
             <a:extLst>
               <a:ext uri="{FF2B5EF4-FFF2-40B4-BE49-F238E27FC236}">
-                <a16:creationId xmlns="" xmlns:a16="http://schemas.microsoft.com/office/drawing/2014/main" id="{F6F6E6F5-485F-4E93-98C5-A122D14B2FD6}"/>
+                <a16:creationId xmlns:a16="http://schemas.microsoft.com/office/drawing/2014/main" xmlns="" id="{F6F6E6F5-485F-4E93-98C5-A122D14B2FD6}"/>
               </a:ext>
             </a:extLst>
           </p:cNvPr>
@@ -2356,7 +2356,7 @@
           <p:cNvPr id="17" name="TextBox 16">
             <a:extLst>
               <a:ext uri="{FF2B5EF4-FFF2-40B4-BE49-F238E27FC236}">
-                <a16:creationId xmlns="" xmlns:a16="http://schemas.microsoft.com/office/drawing/2014/main" id="{8C054D4E-5CD3-4F62-92E1-DF04A8CF3A08}"/>
+                <a16:creationId xmlns:a16="http://schemas.microsoft.com/office/drawing/2014/main" xmlns="" id="{8C054D4E-5CD3-4F62-92E1-DF04A8CF3A08}"/>
               </a:ext>
             </a:extLst>
           </p:cNvPr>
@@ -2452,7 +2452,7 @@
           <p:cNvPr id="18" name="TextBox 17">
             <a:extLst>
               <a:ext uri="{FF2B5EF4-FFF2-40B4-BE49-F238E27FC236}">
-                <a16:creationId xmlns="" xmlns:a16="http://schemas.microsoft.com/office/drawing/2014/main" id="{9B630C39-B1DE-4025-89D5-8077C1F070B9}"/>
+                <a16:creationId xmlns:a16="http://schemas.microsoft.com/office/drawing/2014/main" xmlns="" id="{9B630C39-B1DE-4025-89D5-8077C1F070B9}"/>
               </a:ext>
             </a:extLst>
           </p:cNvPr>
@@ -2513,7 +2513,7 @@
           <p:cNvPr id="19" name="TextBox 18">
             <a:extLst>
               <a:ext uri="{FF2B5EF4-FFF2-40B4-BE49-F238E27FC236}">
-                <a16:creationId xmlns="" xmlns:a16="http://schemas.microsoft.com/office/drawing/2014/main" id="{3A8746FE-A035-4467-ABC4-6FB1C9FA0FB9}"/>
+                <a16:creationId xmlns:a16="http://schemas.microsoft.com/office/drawing/2014/main" xmlns="" id="{3A8746FE-A035-4467-ABC4-6FB1C9FA0FB9}"/>
               </a:ext>
             </a:extLst>
           </p:cNvPr>
@@ -2574,7 +2574,7 @@
           <p:cNvPr id="20" name="TextBox 19">
             <a:extLst>
               <a:ext uri="{FF2B5EF4-FFF2-40B4-BE49-F238E27FC236}">
-                <a16:creationId xmlns="" xmlns:a16="http://schemas.microsoft.com/office/drawing/2014/main" id="{EA551DD7-E555-4694-B423-A43DE294CE93}"/>
+                <a16:creationId xmlns:a16="http://schemas.microsoft.com/office/drawing/2014/main" xmlns="" id="{EA551DD7-E555-4694-B423-A43DE294CE93}"/>
               </a:ext>
             </a:extLst>
           </p:cNvPr>
@@ -2670,7 +2670,7 @@
           <p:cNvPr id="21" name="TextBox 20">
             <a:extLst>
               <a:ext uri="{FF2B5EF4-FFF2-40B4-BE49-F238E27FC236}">
-                <a16:creationId xmlns="" xmlns:a16="http://schemas.microsoft.com/office/drawing/2014/main" id="{B1EFFC8B-DEEF-42DD-A346-C739A75077D0}"/>
+                <a16:creationId xmlns:a16="http://schemas.microsoft.com/office/drawing/2014/main" xmlns="" id="{B1EFFC8B-DEEF-42DD-A346-C739A75077D0}"/>
               </a:ext>
             </a:extLst>
           </p:cNvPr>
@@ -2747,7 +2747,7 @@
           <p:cNvPr id="22" name="TextBox 21">
             <a:extLst>
               <a:ext uri="{FF2B5EF4-FFF2-40B4-BE49-F238E27FC236}">
-                <a16:creationId xmlns="" xmlns:a16="http://schemas.microsoft.com/office/drawing/2014/main" id="{20F717F1-E76D-4ADF-A548-56D5786A0D6C}"/>
+                <a16:creationId xmlns:a16="http://schemas.microsoft.com/office/drawing/2014/main" xmlns="" id="{20F717F1-E76D-4ADF-A548-56D5786A0D6C}"/>
               </a:ext>
             </a:extLst>
           </p:cNvPr>
@@ -2824,7 +2824,7 @@
           <p:cNvPr id="52" name="직선 연결선 51">
             <a:extLst>
               <a:ext uri="{FF2B5EF4-FFF2-40B4-BE49-F238E27FC236}">
-                <a16:creationId xmlns="" xmlns:a16="http://schemas.microsoft.com/office/drawing/2014/main" id="{BC82CC46-5A3C-4C12-9FC6-76C628EC6978}"/>
+                <a16:creationId xmlns:a16="http://schemas.microsoft.com/office/drawing/2014/main" xmlns="" id="{BC82CC46-5A3C-4C12-9FC6-76C628EC6978}"/>
               </a:ext>
             </a:extLst>
           </p:cNvPr>
@@ -2865,7 +2865,7 @@
           <p:cNvPr id="54" name="직선 연결선 53">
             <a:extLst>
               <a:ext uri="{FF2B5EF4-FFF2-40B4-BE49-F238E27FC236}">
-                <a16:creationId xmlns="" xmlns:a16="http://schemas.microsoft.com/office/drawing/2014/main" id="{BF32CB9A-3E35-4ACA-8394-C7A9A3C0C565}"/>
+                <a16:creationId xmlns:a16="http://schemas.microsoft.com/office/drawing/2014/main" xmlns="" id="{BF32CB9A-3E35-4ACA-8394-C7A9A3C0C565}"/>
               </a:ext>
             </a:extLst>
           </p:cNvPr>
@@ -2906,7 +2906,7 @@
           <p:cNvPr id="64" name="TextBox 63">
             <a:extLst>
               <a:ext uri="{FF2B5EF4-FFF2-40B4-BE49-F238E27FC236}">
-                <a16:creationId xmlns="" xmlns:a16="http://schemas.microsoft.com/office/drawing/2014/main" id="{D54B7C25-9403-4A9C-BD70-DFA651C352F6}"/>
+                <a16:creationId xmlns:a16="http://schemas.microsoft.com/office/drawing/2014/main" xmlns="" id="{D54B7C25-9403-4A9C-BD70-DFA651C352F6}"/>
               </a:ext>
             </a:extLst>
           </p:cNvPr>
@@ -2969,7 +2969,7 @@
           <p:cNvPr id="65" name="TextBox 64">
             <a:extLst>
               <a:ext uri="{FF2B5EF4-FFF2-40B4-BE49-F238E27FC236}">
-                <a16:creationId xmlns="" xmlns:a16="http://schemas.microsoft.com/office/drawing/2014/main" id="{57AEE336-4DB8-410B-A5A2-6CF729B2C591}"/>
+                <a16:creationId xmlns:a16="http://schemas.microsoft.com/office/drawing/2014/main" xmlns="" id="{57AEE336-4DB8-410B-A5A2-6CF729B2C591}"/>
               </a:ext>
             </a:extLst>
           </p:cNvPr>
@@ -3071,7 +3071,7 @@
           <p:cNvPr id="66" name="TextBox 65">
             <a:extLst>
               <a:ext uri="{FF2B5EF4-FFF2-40B4-BE49-F238E27FC236}">
-                <a16:creationId xmlns="" xmlns:a16="http://schemas.microsoft.com/office/drawing/2014/main" id="{C924FF4C-168A-446D-BB69-684A9CE84244}"/>
+                <a16:creationId xmlns:a16="http://schemas.microsoft.com/office/drawing/2014/main" xmlns="" id="{C924FF4C-168A-446D-BB69-684A9CE84244}"/>
               </a:ext>
             </a:extLst>
           </p:cNvPr>
@@ -3160,7 +3160,7 @@
           <p:cNvPr id="67" name="TextBox 66">
             <a:extLst>
               <a:ext uri="{FF2B5EF4-FFF2-40B4-BE49-F238E27FC236}">
-                <a16:creationId xmlns="" xmlns:a16="http://schemas.microsoft.com/office/drawing/2014/main" id="{9C2EAD3A-F47F-4662-A846-28E86A50CB53}"/>
+                <a16:creationId xmlns:a16="http://schemas.microsoft.com/office/drawing/2014/main" xmlns="" id="{9C2EAD3A-F47F-4662-A846-28E86A50CB53}"/>
               </a:ext>
             </a:extLst>
           </p:cNvPr>
@@ -3209,7 +3209,7 @@
           <p:cNvPr id="97" name="자유형: 도형 96">
             <a:extLst>
               <a:ext uri="{FF2B5EF4-FFF2-40B4-BE49-F238E27FC236}">
-                <a16:creationId xmlns="" xmlns:a16="http://schemas.microsoft.com/office/drawing/2014/main" id="{D352FB68-CFA2-4B75-A26E-CCAC356B1652}"/>
+                <a16:creationId xmlns:a16="http://schemas.microsoft.com/office/drawing/2014/main" xmlns="" id="{D352FB68-CFA2-4B75-A26E-CCAC356B1652}"/>
               </a:ext>
             </a:extLst>
           </p:cNvPr>
@@ -3344,7 +3344,7 @@
           <p:cNvPr id="98" name="자유형: 도형 97">
             <a:extLst>
               <a:ext uri="{FF2B5EF4-FFF2-40B4-BE49-F238E27FC236}">
-                <a16:creationId xmlns="" xmlns:a16="http://schemas.microsoft.com/office/drawing/2014/main" id="{587BF757-A1CE-4D11-8645-3996DF7C9F26}"/>
+                <a16:creationId xmlns:a16="http://schemas.microsoft.com/office/drawing/2014/main" xmlns="" id="{587BF757-A1CE-4D11-8645-3996DF7C9F26}"/>
               </a:ext>
             </a:extLst>
           </p:cNvPr>
@@ -3471,7 +3471,7 @@
           <p:cNvPr id="96" name="자유형: 도형 95">
             <a:extLst>
               <a:ext uri="{FF2B5EF4-FFF2-40B4-BE49-F238E27FC236}">
-                <a16:creationId xmlns="" xmlns:a16="http://schemas.microsoft.com/office/drawing/2014/main" id="{8AFF8113-B8B2-4EA3-BFCF-417C19B3CD8E}"/>
+                <a16:creationId xmlns:a16="http://schemas.microsoft.com/office/drawing/2014/main" xmlns="" id="{8AFF8113-B8B2-4EA3-BFCF-417C19B3CD8E}"/>
               </a:ext>
             </a:extLst>
           </p:cNvPr>
@@ -3606,7 +3606,7 @@
           <p:cNvPr id="95" name="자유형: 도형 94">
             <a:extLst>
               <a:ext uri="{FF2B5EF4-FFF2-40B4-BE49-F238E27FC236}">
-                <a16:creationId xmlns="" xmlns:a16="http://schemas.microsoft.com/office/drawing/2014/main" id="{C833BF72-CA75-47A6-9D0F-C66129DE5B34}"/>
+                <a16:creationId xmlns:a16="http://schemas.microsoft.com/office/drawing/2014/main" xmlns="" id="{C833BF72-CA75-47A6-9D0F-C66129DE5B34}"/>
               </a:ext>
             </a:extLst>
           </p:cNvPr>
@@ -3723,7 +3723,7 @@
           <p:cNvPr id="63" name="자유형: 도형 62">
             <a:extLst>
               <a:ext uri="{FF2B5EF4-FFF2-40B4-BE49-F238E27FC236}">
-                <a16:creationId xmlns="" xmlns:a16="http://schemas.microsoft.com/office/drawing/2014/main" id="{C0C88641-258D-4F49-A2EB-A71429648A52}"/>
+                <a16:creationId xmlns:a16="http://schemas.microsoft.com/office/drawing/2014/main" xmlns="" id="{C0C88641-258D-4F49-A2EB-A71429648A52}"/>
               </a:ext>
             </a:extLst>
           </p:cNvPr>
@@ -3832,7 +3832,7 @@
           <p:cNvPr id="94" name="자유형: 도형 93">
             <a:extLst>
               <a:ext uri="{FF2B5EF4-FFF2-40B4-BE49-F238E27FC236}">
-                <a16:creationId xmlns="" xmlns:a16="http://schemas.microsoft.com/office/drawing/2014/main" id="{C5865731-2B75-4DD9-BCF0-FFEEAB273517}"/>
+                <a16:creationId xmlns:a16="http://schemas.microsoft.com/office/drawing/2014/main" xmlns="" id="{C5865731-2B75-4DD9-BCF0-FFEEAB273517}"/>
               </a:ext>
             </a:extLst>
           </p:cNvPr>
@@ -3941,7 +3941,7 @@
           <p:cNvPr id="62" name="TextBox 61">
             <a:extLst>
               <a:ext uri="{FF2B5EF4-FFF2-40B4-BE49-F238E27FC236}">
-                <a16:creationId xmlns="" xmlns:a16="http://schemas.microsoft.com/office/drawing/2014/main" id="{5779A4D6-5165-4E6F-9768-FCE10F10B646}"/>
+                <a16:creationId xmlns:a16="http://schemas.microsoft.com/office/drawing/2014/main" xmlns="" id="{5779A4D6-5165-4E6F-9768-FCE10F10B646}"/>
               </a:ext>
             </a:extLst>
           </p:cNvPr>
@@ -4002,7 +4002,7 @@
           <p:cNvPr id="91" name="TextBox 90">
             <a:extLst>
               <a:ext uri="{FF2B5EF4-FFF2-40B4-BE49-F238E27FC236}">
-                <a16:creationId xmlns="" xmlns:a16="http://schemas.microsoft.com/office/drawing/2014/main" id="{3C605F90-AE1D-4F99-A6B3-721C3FEC3499}"/>
+                <a16:creationId xmlns:a16="http://schemas.microsoft.com/office/drawing/2014/main" xmlns="" id="{3C605F90-AE1D-4F99-A6B3-721C3FEC3499}"/>
               </a:ext>
             </a:extLst>
           </p:cNvPr>
@@ -4160,7 +4160,7 @@
           <p:cNvPr id="6" name="직사각형 5">
             <a:extLst>
               <a:ext uri="{FF2B5EF4-FFF2-40B4-BE49-F238E27FC236}">
-                <a16:creationId xmlns="" xmlns:a16="http://schemas.microsoft.com/office/drawing/2014/main" id="{8795C1DD-1F3C-4816-AAC8-C0E0EAEA9F7F}"/>
+                <a16:creationId xmlns:a16="http://schemas.microsoft.com/office/drawing/2014/main" xmlns="" id="{8795C1DD-1F3C-4816-AAC8-C0E0EAEA9F7F}"/>
               </a:ext>
             </a:extLst>
           </p:cNvPr>
@@ -4212,7 +4212,7 @@
           <p:cNvPr id="14" name="TextBox 13">
             <a:extLst>
               <a:ext uri="{FF2B5EF4-FFF2-40B4-BE49-F238E27FC236}">
-                <a16:creationId xmlns="" xmlns:a16="http://schemas.microsoft.com/office/drawing/2014/main" id="{AE6FAC2E-2879-412D-973D-9AB05084879A}"/>
+                <a16:creationId xmlns:a16="http://schemas.microsoft.com/office/drawing/2014/main" xmlns="" id="{AE6FAC2E-2879-412D-973D-9AB05084879A}"/>
               </a:ext>
             </a:extLst>
           </p:cNvPr>
@@ -4274,7 +4274,7 @@
           <p:cNvPr id="64" name="직선 연결선 63">
             <a:extLst>
               <a:ext uri="{FF2B5EF4-FFF2-40B4-BE49-F238E27FC236}">
-                <a16:creationId xmlns="" xmlns:a16="http://schemas.microsoft.com/office/drawing/2014/main" id="{EF1D20F2-F483-4FF0-8EC2-CA3436A246F5}"/>
+                <a16:creationId xmlns:a16="http://schemas.microsoft.com/office/drawing/2014/main" xmlns="" id="{EF1D20F2-F483-4FF0-8EC2-CA3436A246F5}"/>
               </a:ext>
             </a:extLst>
           </p:cNvPr>
@@ -4317,7 +4317,7 @@
           <p:cNvPr id="65" name="TextBox 64">
             <a:extLst>
               <a:ext uri="{FF2B5EF4-FFF2-40B4-BE49-F238E27FC236}">
-                <a16:creationId xmlns="" xmlns:a16="http://schemas.microsoft.com/office/drawing/2014/main" id="{9A0486C3-93C6-4276-B4B2-259291298137}"/>
+                <a16:creationId xmlns:a16="http://schemas.microsoft.com/office/drawing/2014/main" xmlns="" id="{9A0486C3-93C6-4276-B4B2-259291298137}"/>
               </a:ext>
             </a:extLst>
           </p:cNvPr>
@@ -4427,7 +4427,7 @@
             <p:cNvPr id="2" name="직사각형 1">
               <a:extLst>
                 <a:ext uri="{FF2B5EF4-FFF2-40B4-BE49-F238E27FC236}">
-                  <a16:creationId xmlns="" xmlns:a16="http://schemas.microsoft.com/office/drawing/2014/main" id="{3ECA1621-79EF-472A-B728-E404BF2CFC34}"/>
+                  <a16:creationId xmlns:a16="http://schemas.microsoft.com/office/drawing/2014/main" xmlns="" id="{3ECA1621-79EF-472A-B728-E404BF2CFC34}"/>
                 </a:ext>
               </a:extLst>
             </p:cNvPr>
@@ -4479,7 +4479,7 @@
             <p:cNvPr id="55" name="직사각형 54">
               <a:extLst>
                 <a:ext uri="{FF2B5EF4-FFF2-40B4-BE49-F238E27FC236}">
-                  <a16:creationId xmlns="" xmlns:a16="http://schemas.microsoft.com/office/drawing/2014/main" id="{0FC26E3A-67E6-45A0-B9B1-F87FB7808E5C}"/>
+                  <a16:creationId xmlns:a16="http://schemas.microsoft.com/office/drawing/2014/main" xmlns="" id="{0FC26E3A-67E6-45A0-B9B1-F87FB7808E5C}"/>
                 </a:ext>
               </a:extLst>
             </p:cNvPr>
@@ -4543,7 +4543,7 @@
           <p:cNvPr id="89" name="직사각형 88">
             <a:extLst>
               <a:ext uri="{FF2B5EF4-FFF2-40B4-BE49-F238E27FC236}">
-                <a16:creationId xmlns="" xmlns:a16="http://schemas.microsoft.com/office/drawing/2014/main" id="{B27D5D01-E24E-4692-9756-CFEC9F35DF6D}"/>
+                <a16:creationId xmlns:a16="http://schemas.microsoft.com/office/drawing/2014/main" xmlns="" id="{B27D5D01-E24E-4692-9756-CFEC9F35DF6D}"/>
               </a:ext>
             </a:extLst>
           </p:cNvPr>
@@ -4613,7 +4613,7 @@
           <p:cNvPr id="23" name="TextBox 22">
             <a:extLst>
               <a:ext uri="{FF2B5EF4-FFF2-40B4-BE49-F238E27FC236}">
-                <a16:creationId xmlns="" xmlns:a16="http://schemas.microsoft.com/office/drawing/2014/main" id="{DC0FBA52-AFB7-4051-88A4-2070DAB9F37B}"/>
+                <a16:creationId xmlns:a16="http://schemas.microsoft.com/office/drawing/2014/main" xmlns="" id="{DC0FBA52-AFB7-4051-88A4-2070DAB9F37B}"/>
               </a:ext>
             </a:extLst>
           </p:cNvPr>
@@ -4728,7 +4728,7 @@
             <p:cNvPr id="127" name="직사각형 1">
               <a:extLst>
                 <a:ext uri="{FF2B5EF4-FFF2-40B4-BE49-F238E27FC236}">
-                  <a16:creationId xmlns="" xmlns:a16="http://schemas.microsoft.com/office/drawing/2014/main" id="{3ECA1621-79EF-472A-B728-E404BF2CFC34}"/>
+                  <a16:creationId xmlns:a16="http://schemas.microsoft.com/office/drawing/2014/main" xmlns="" id="{3ECA1621-79EF-472A-B728-E404BF2CFC34}"/>
                 </a:ext>
               </a:extLst>
             </p:cNvPr>
@@ -4780,7 +4780,7 @@
             <p:cNvPr id="128" name="직사각형 54">
               <a:extLst>
                 <a:ext uri="{FF2B5EF4-FFF2-40B4-BE49-F238E27FC236}">
-                  <a16:creationId xmlns="" xmlns:a16="http://schemas.microsoft.com/office/drawing/2014/main" id="{0FC26E3A-67E6-45A0-B9B1-F87FB7808E5C}"/>
+                  <a16:creationId xmlns:a16="http://schemas.microsoft.com/office/drawing/2014/main" xmlns="" id="{0FC26E3A-67E6-45A0-B9B1-F87FB7808E5C}"/>
                 </a:ext>
               </a:extLst>
             </p:cNvPr>
@@ -4844,7 +4844,7 @@
           <p:cNvPr id="129" name="직사각형 128">
             <a:extLst>
               <a:ext uri="{FF2B5EF4-FFF2-40B4-BE49-F238E27FC236}">
-                <a16:creationId xmlns="" xmlns:a16="http://schemas.microsoft.com/office/drawing/2014/main" id="{B27D5D01-E24E-4692-9756-CFEC9F35DF6D}"/>
+                <a16:creationId xmlns:a16="http://schemas.microsoft.com/office/drawing/2014/main" xmlns="" id="{B27D5D01-E24E-4692-9756-CFEC9F35DF6D}"/>
               </a:ext>
             </a:extLst>
           </p:cNvPr>
@@ -4920,7 +4920,7 @@
           <p:cNvPr id="130" name="TextBox 129">
             <a:extLst>
               <a:ext uri="{FF2B5EF4-FFF2-40B4-BE49-F238E27FC236}">
-                <a16:creationId xmlns="" xmlns:a16="http://schemas.microsoft.com/office/drawing/2014/main" id="{DC0FBA52-AFB7-4051-88A4-2070DAB9F37B}"/>
+                <a16:creationId xmlns:a16="http://schemas.microsoft.com/office/drawing/2014/main" xmlns="" id="{DC0FBA52-AFB7-4051-88A4-2070DAB9F37B}"/>
               </a:ext>
             </a:extLst>
           </p:cNvPr>
@@ -5003,7 +5003,7 @@
             <p:cNvPr id="132" name="직사각형 1">
               <a:extLst>
                 <a:ext uri="{FF2B5EF4-FFF2-40B4-BE49-F238E27FC236}">
-                  <a16:creationId xmlns="" xmlns:a16="http://schemas.microsoft.com/office/drawing/2014/main" id="{3ECA1621-79EF-472A-B728-E404BF2CFC34}"/>
+                  <a16:creationId xmlns:a16="http://schemas.microsoft.com/office/drawing/2014/main" xmlns="" id="{3ECA1621-79EF-472A-B728-E404BF2CFC34}"/>
                 </a:ext>
               </a:extLst>
             </p:cNvPr>
@@ -5055,7 +5055,7 @@
             <p:cNvPr id="133" name="직사각형 54">
               <a:extLst>
                 <a:ext uri="{FF2B5EF4-FFF2-40B4-BE49-F238E27FC236}">
-                  <a16:creationId xmlns="" xmlns:a16="http://schemas.microsoft.com/office/drawing/2014/main" id="{0FC26E3A-67E6-45A0-B9B1-F87FB7808E5C}"/>
+                  <a16:creationId xmlns:a16="http://schemas.microsoft.com/office/drawing/2014/main" xmlns="" id="{0FC26E3A-67E6-45A0-B9B1-F87FB7808E5C}"/>
                 </a:ext>
               </a:extLst>
             </p:cNvPr>
@@ -5119,7 +5119,7 @@
           <p:cNvPr id="134" name="직사각형 133">
             <a:extLst>
               <a:ext uri="{FF2B5EF4-FFF2-40B4-BE49-F238E27FC236}">
-                <a16:creationId xmlns="" xmlns:a16="http://schemas.microsoft.com/office/drawing/2014/main" id="{B27D5D01-E24E-4692-9756-CFEC9F35DF6D}"/>
+                <a16:creationId xmlns:a16="http://schemas.microsoft.com/office/drawing/2014/main" xmlns="" id="{B27D5D01-E24E-4692-9756-CFEC9F35DF6D}"/>
               </a:ext>
             </a:extLst>
           </p:cNvPr>
@@ -5195,7 +5195,7 @@
           <p:cNvPr id="135" name="TextBox 134">
             <a:extLst>
               <a:ext uri="{FF2B5EF4-FFF2-40B4-BE49-F238E27FC236}">
-                <a16:creationId xmlns="" xmlns:a16="http://schemas.microsoft.com/office/drawing/2014/main" id="{DC0FBA52-AFB7-4051-88A4-2070DAB9F37B}"/>
+                <a16:creationId xmlns:a16="http://schemas.microsoft.com/office/drawing/2014/main" xmlns="" id="{DC0FBA52-AFB7-4051-88A4-2070DAB9F37B}"/>
               </a:ext>
             </a:extLst>
           </p:cNvPr>
@@ -5298,7 +5298,7 @@
             <p:cNvPr id="149" name="직사각형 1">
               <a:extLst>
                 <a:ext uri="{FF2B5EF4-FFF2-40B4-BE49-F238E27FC236}">
-                  <a16:creationId xmlns="" xmlns:a16="http://schemas.microsoft.com/office/drawing/2014/main" id="{3ECA1621-79EF-472A-B728-E404BF2CFC34}"/>
+                  <a16:creationId xmlns:a16="http://schemas.microsoft.com/office/drawing/2014/main" xmlns="" id="{3ECA1621-79EF-472A-B728-E404BF2CFC34}"/>
                 </a:ext>
               </a:extLst>
             </p:cNvPr>
@@ -5350,7 +5350,7 @@
             <p:cNvPr id="150" name="직사각형 54">
               <a:extLst>
                 <a:ext uri="{FF2B5EF4-FFF2-40B4-BE49-F238E27FC236}">
-                  <a16:creationId xmlns="" xmlns:a16="http://schemas.microsoft.com/office/drawing/2014/main" id="{0FC26E3A-67E6-45A0-B9B1-F87FB7808E5C}"/>
+                  <a16:creationId xmlns:a16="http://schemas.microsoft.com/office/drawing/2014/main" xmlns="" id="{0FC26E3A-67E6-45A0-B9B1-F87FB7808E5C}"/>
                 </a:ext>
               </a:extLst>
             </p:cNvPr>
@@ -5414,7 +5414,7 @@
           <p:cNvPr id="151" name="직사각형 150">
             <a:extLst>
               <a:ext uri="{FF2B5EF4-FFF2-40B4-BE49-F238E27FC236}">
-                <a16:creationId xmlns="" xmlns:a16="http://schemas.microsoft.com/office/drawing/2014/main" id="{B27D5D01-E24E-4692-9756-CFEC9F35DF6D}"/>
+                <a16:creationId xmlns:a16="http://schemas.microsoft.com/office/drawing/2014/main" xmlns="" id="{B27D5D01-E24E-4692-9756-CFEC9F35DF6D}"/>
               </a:ext>
             </a:extLst>
           </p:cNvPr>
@@ -5473,17 +5473,7 @@
                   </a:schemeClr>
                 </a:solidFill>
               </a:rPr>
-              <a:t> </a:t>
-            </a:r>
-            <a:r>
-              <a:rPr lang="en-US" altLang="ko-KR" b="1" dirty="0" smtClean="0">
-                <a:solidFill>
-                  <a:schemeClr val="tx2">
-                    <a:lumMod val="75000"/>
-                  </a:schemeClr>
-                </a:solidFill>
-              </a:rPr>
-              <a:t>·</a:t>
+              <a:t> ·</a:t>
             </a:r>
             <a:endParaRPr lang="ko-KR" altLang="en-US" dirty="0">
               <a:solidFill>
@@ -5500,7 +5490,7 @@
           <p:cNvPr id="152" name="TextBox 151">
             <a:extLst>
               <a:ext uri="{FF2B5EF4-FFF2-40B4-BE49-F238E27FC236}">
-                <a16:creationId xmlns="" xmlns:a16="http://schemas.microsoft.com/office/drawing/2014/main" id="{DC0FBA52-AFB7-4051-88A4-2070DAB9F37B}"/>
+                <a16:creationId xmlns:a16="http://schemas.microsoft.com/office/drawing/2014/main" xmlns="" id="{DC0FBA52-AFB7-4051-88A4-2070DAB9F37B}"/>
               </a:ext>
             </a:extLst>
           </p:cNvPr>
@@ -5624,7 +5614,7 @@
           <p:cNvPr id="153" name="TextBox 152">
             <a:extLst>
               <a:ext uri="{FF2B5EF4-FFF2-40B4-BE49-F238E27FC236}">
-                <a16:creationId xmlns="" xmlns:a16="http://schemas.microsoft.com/office/drawing/2014/main" id="{8E807B52-AA8E-46B3-B325-6CD94F8E69E5}"/>
+                <a16:creationId xmlns:a16="http://schemas.microsoft.com/office/drawing/2014/main" xmlns="" id="{8E807B52-AA8E-46B3-B325-6CD94F8E69E5}"/>
               </a:ext>
             </a:extLst>
           </p:cNvPr>
@@ -5701,7 +5691,7 @@
             <p:cNvPr id="53" name="직사각형 1">
               <a:extLst>
                 <a:ext uri="{FF2B5EF4-FFF2-40B4-BE49-F238E27FC236}">
-                  <a16:creationId xmlns="" xmlns:a16="http://schemas.microsoft.com/office/drawing/2014/main" id="{3ECA1621-79EF-472A-B728-E404BF2CFC34}"/>
+                  <a16:creationId xmlns:a16="http://schemas.microsoft.com/office/drawing/2014/main" xmlns="" id="{3ECA1621-79EF-472A-B728-E404BF2CFC34}"/>
                 </a:ext>
               </a:extLst>
             </p:cNvPr>
@@ -5753,7 +5743,7 @@
             <p:cNvPr id="54" name="직사각형 54">
               <a:extLst>
                 <a:ext uri="{FF2B5EF4-FFF2-40B4-BE49-F238E27FC236}">
-                  <a16:creationId xmlns="" xmlns:a16="http://schemas.microsoft.com/office/drawing/2014/main" id="{0FC26E3A-67E6-45A0-B9B1-F87FB7808E5C}"/>
+                  <a16:creationId xmlns:a16="http://schemas.microsoft.com/office/drawing/2014/main" xmlns="" id="{0FC26E3A-67E6-45A0-B9B1-F87FB7808E5C}"/>
                 </a:ext>
               </a:extLst>
             </p:cNvPr>
@@ -5817,7 +5807,7 @@
           <p:cNvPr id="56" name="직사각형 55">
             <a:extLst>
               <a:ext uri="{FF2B5EF4-FFF2-40B4-BE49-F238E27FC236}">
-                <a16:creationId xmlns="" xmlns:a16="http://schemas.microsoft.com/office/drawing/2014/main" id="{B27D5D01-E24E-4692-9756-CFEC9F35DF6D}"/>
+                <a16:creationId xmlns:a16="http://schemas.microsoft.com/office/drawing/2014/main" xmlns="" id="{B27D5D01-E24E-4692-9756-CFEC9F35DF6D}"/>
               </a:ext>
             </a:extLst>
           </p:cNvPr>
@@ -5893,7 +5883,7 @@
           <p:cNvPr id="57" name="TextBox 56">
             <a:extLst>
               <a:ext uri="{FF2B5EF4-FFF2-40B4-BE49-F238E27FC236}">
-                <a16:creationId xmlns="" xmlns:a16="http://schemas.microsoft.com/office/drawing/2014/main" id="{DC0FBA52-AFB7-4051-88A4-2070DAB9F37B}"/>
+                <a16:creationId xmlns:a16="http://schemas.microsoft.com/office/drawing/2014/main" xmlns="" id="{DC0FBA52-AFB7-4051-88A4-2070DAB9F37B}"/>
               </a:ext>
             </a:extLst>
           </p:cNvPr>
@@ -6980,7 +6970,7 @@
           <p:cNvPr id="6" name="직사각형 5">
             <a:extLst>
               <a:ext uri="{FF2B5EF4-FFF2-40B4-BE49-F238E27FC236}">
-                <a16:creationId xmlns="" xmlns:a16="http://schemas.microsoft.com/office/drawing/2014/main" id="{8795C1DD-1F3C-4816-AAC8-C0E0EAEA9F7F}"/>
+                <a16:creationId xmlns:a16="http://schemas.microsoft.com/office/drawing/2014/main" xmlns="" id="{8795C1DD-1F3C-4816-AAC8-C0E0EAEA9F7F}"/>
               </a:ext>
             </a:extLst>
           </p:cNvPr>
@@ -7032,7 +7022,7 @@
           <p:cNvPr id="14" name="TextBox 13">
             <a:extLst>
               <a:ext uri="{FF2B5EF4-FFF2-40B4-BE49-F238E27FC236}">
-                <a16:creationId xmlns="" xmlns:a16="http://schemas.microsoft.com/office/drawing/2014/main" id="{AE6FAC2E-2879-412D-973D-9AB05084879A}"/>
+                <a16:creationId xmlns:a16="http://schemas.microsoft.com/office/drawing/2014/main" xmlns="" id="{AE6FAC2E-2879-412D-973D-9AB05084879A}"/>
               </a:ext>
             </a:extLst>
           </p:cNvPr>
@@ -7094,7 +7084,7 @@
           <p:cNvPr id="64" name="직선 연결선 63">
             <a:extLst>
               <a:ext uri="{FF2B5EF4-FFF2-40B4-BE49-F238E27FC236}">
-                <a16:creationId xmlns="" xmlns:a16="http://schemas.microsoft.com/office/drawing/2014/main" id="{EF1D20F2-F483-4FF0-8EC2-CA3436A246F5}"/>
+                <a16:creationId xmlns:a16="http://schemas.microsoft.com/office/drawing/2014/main" xmlns="" id="{EF1D20F2-F483-4FF0-8EC2-CA3436A246F5}"/>
               </a:ext>
             </a:extLst>
           </p:cNvPr>
@@ -7137,7 +7127,7 @@
           <p:cNvPr id="65" name="TextBox 64">
             <a:extLst>
               <a:ext uri="{FF2B5EF4-FFF2-40B4-BE49-F238E27FC236}">
-                <a16:creationId xmlns="" xmlns:a16="http://schemas.microsoft.com/office/drawing/2014/main" id="{9A0486C3-93C6-4276-B4B2-259291298137}"/>
+                <a16:creationId xmlns:a16="http://schemas.microsoft.com/office/drawing/2014/main" xmlns="" id="{9A0486C3-93C6-4276-B4B2-259291298137}"/>
               </a:ext>
             </a:extLst>
           </p:cNvPr>
@@ -7239,7 +7229,7 @@
             <p:cNvPr id="2" name="직사각형 1">
               <a:extLst>
                 <a:ext uri="{FF2B5EF4-FFF2-40B4-BE49-F238E27FC236}">
-                  <a16:creationId xmlns="" xmlns:a16="http://schemas.microsoft.com/office/drawing/2014/main" id="{3ECA1621-79EF-472A-B728-E404BF2CFC34}"/>
+                  <a16:creationId xmlns:a16="http://schemas.microsoft.com/office/drawing/2014/main" xmlns="" id="{3ECA1621-79EF-472A-B728-E404BF2CFC34}"/>
                 </a:ext>
               </a:extLst>
             </p:cNvPr>
@@ -7291,7 +7281,7 @@
             <p:cNvPr id="55" name="직사각형 54">
               <a:extLst>
                 <a:ext uri="{FF2B5EF4-FFF2-40B4-BE49-F238E27FC236}">
-                  <a16:creationId xmlns="" xmlns:a16="http://schemas.microsoft.com/office/drawing/2014/main" id="{0FC26E3A-67E6-45A0-B9B1-F87FB7808E5C}"/>
+                  <a16:creationId xmlns:a16="http://schemas.microsoft.com/office/drawing/2014/main" xmlns="" id="{0FC26E3A-67E6-45A0-B9B1-F87FB7808E5C}"/>
                 </a:ext>
               </a:extLst>
             </p:cNvPr>
@@ -7355,7 +7345,7 @@
           <p:cNvPr id="89" name="직사각형 88">
             <a:extLst>
               <a:ext uri="{FF2B5EF4-FFF2-40B4-BE49-F238E27FC236}">
-                <a16:creationId xmlns="" xmlns:a16="http://schemas.microsoft.com/office/drawing/2014/main" id="{B27D5D01-E24E-4692-9756-CFEC9F35DF6D}"/>
+                <a16:creationId xmlns:a16="http://schemas.microsoft.com/office/drawing/2014/main" xmlns="" id="{B27D5D01-E24E-4692-9756-CFEC9F35DF6D}"/>
               </a:ext>
             </a:extLst>
           </p:cNvPr>
@@ -7431,7 +7421,7 @@
           <p:cNvPr id="23" name="TextBox 22">
             <a:extLst>
               <a:ext uri="{FF2B5EF4-FFF2-40B4-BE49-F238E27FC236}">
-                <a16:creationId xmlns="" xmlns:a16="http://schemas.microsoft.com/office/drawing/2014/main" id="{DC0FBA52-AFB7-4051-88A4-2070DAB9F37B}"/>
+                <a16:creationId xmlns:a16="http://schemas.microsoft.com/office/drawing/2014/main" xmlns="" id="{DC0FBA52-AFB7-4051-88A4-2070DAB9F37B}"/>
               </a:ext>
             </a:extLst>
           </p:cNvPr>
@@ -7554,7 +7544,7 @@
             <p:cNvPr id="127" name="직사각형 1">
               <a:extLst>
                 <a:ext uri="{FF2B5EF4-FFF2-40B4-BE49-F238E27FC236}">
-                  <a16:creationId xmlns="" xmlns:a16="http://schemas.microsoft.com/office/drawing/2014/main" id="{3ECA1621-79EF-472A-B728-E404BF2CFC34}"/>
+                  <a16:creationId xmlns:a16="http://schemas.microsoft.com/office/drawing/2014/main" xmlns="" id="{3ECA1621-79EF-472A-B728-E404BF2CFC34}"/>
                 </a:ext>
               </a:extLst>
             </p:cNvPr>
@@ -7606,7 +7596,7 @@
             <p:cNvPr id="128" name="직사각형 54">
               <a:extLst>
                 <a:ext uri="{FF2B5EF4-FFF2-40B4-BE49-F238E27FC236}">
-                  <a16:creationId xmlns="" xmlns:a16="http://schemas.microsoft.com/office/drawing/2014/main" id="{0FC26E3A-67E6-45A0-B9B1-F87FB7808E5C}"/>
+                  <a16:creationId xmlns:a16="http://schemas.microsoft.com/office/drawing/2014/main" xmlns="" id="{0FC26E3A-67E6-45A0-B9B1-F87FB7808E5C}"/>
                 </a:ext>
               </a:extLst>
             </p:cNvPr>
@@ -7670,7 +7660,7 @@
           <p:cNvPr id="129" name="직사각형 128">
             <a:extLst>
               <a:ext uri="{FF2B5EF4-FFF2-40B4-BE49-F238E27FC236}">
-                <a16:creationId xmlns="" xmlns:a16="http://schemas.microsoft.com/office/drawing/2014/main" id="{B27D5D01-E24E-4692-9756-CFEC9F35DF6D}"/>
+                <a16:creationId xmlns:a16="http://schemas.microsoft.com/office/drawing/2014/main" xmlns="" id="{B27D5D01-E24E-4692-9756-CFEC9F35DF6D}"/>
               </a:ext>
             </a:extLst>
           </p:cNvPr>
@@ -7746,7 +7736,7 @@
           <p:cNvPr id="130" name="TextBox 129">
             <a:extLst>
               <a:ext uri="{FF2B5EF4-FFF2-40B4-BE49-F238E27FC236}">
-                <a16:creationId xmlns="" xmlns:a16="http://schemas.microsoft.com/office/drawing/2014/main" id="{DC0FBA52-AFB7-4051-88A4-2070DAB9F37B}"/>
+                <a16:creationId xmlns:a16="http://schemas.microsoft.com/office/drawing/2014/main" xmlns="" id="{DC0FBA52-AFB7-4051-88A4-2070DAB9F37B}"/>
               </a:ext>
             </a:extLst>
           </p:cNvPr>
@@ -7829,7 +7819,7 @@
             <p:cNvPr id="132" name="직사각형 1">
               <a:extLst>
                 <a:ext uri="{FF2B5EF4-FFF2-40B4-BE49-F238E27FC236}">
-                  <a16:creationId xmlns="" xmlns:a16="http://schemas.microsoft.com/office/drawing/2014/main" id="{3ECA1621-79EF-472A-B728-E404BF2CFC34}"/>
+                  <a16:creationId xmlns:a16="http://schemas.microsoft.com/office/drawing/2014/main" xmlns="" id="{3ECA1621-79EF-472A-B728-E404BF2CFC34}"/>
                 </a:ext>
               </a:extLst>
             </p:cNvPr>
@@ -7881,7 +7871,7 @@
             <p:cNvPr id="133" name="직사각형 54">
               <a:extLst>
                 <a:ext uri="{FF2B5EF4-FFF2-40B4-BE49-F238E27FC236}">
-                  <a16:creationId xmlns="" xmlns:a16="http://schemas.microsoft.com/office/drawing/2014/main" id="{0FC26E3A-67E6-45A0-B9B1-F87FB7808E5C}"/>
+                  <a16:creationId xmlns:a16="http://schemas.microsoft.com/office/drawing/2014/main" xmlns="" id="{0FC26E3A-67E6-45A0-B9B1-F87FB7808E5C}"/>
                 </a:ext>
               </a:extLst>
             </p:cNvPr>
@@ -7945,7 +7935,7 @@
           <p:cNvPr id="134" name="직사각형 133">
             <a:extLst>
               <a:ext uri="{FF2B5EF4-FFF2-40B4-BE49-F238E27FC236}">
-                <a16:creationId xmlns="" xmlns:a16="http://schemas.microsoft.com/office/drawing/2014/main" id="{B27D5D01-E24E-4692-9756-CFEC9F35DF6D}"/>
+                <a16:creationId xmlns:a16="http://schemas.microsoft.com/office/drawing/2014/main" xmlns="" id="{B27D5D01-E24E-4692-9756-CFEC9F35DF6D}"/>
               </a:ext>
             </a:extLst>
           </p:cNvPr>
@@ -8021,7 +8011,7 @@
           <p:cNvPr id="135" name="TextBox 134">
             <a:extLst>
               <a:ext uri="{FF2B5EF4-FFF2-40B4-BE49-F238E27FC236}">
-                <a16:creationId xmlns="" xmlns:a16="http://schemas.microsoft.com/office/drawing/2014/main" id="{DC0FBA52-AFB7-4051-88A4-2070DAB9F37B}"/>
+                <a16:creationId xmlns:a16="http://schemas.microsoft.com/office/drawing/2014/main" xmlns="" id="{DC0FBA52-AFB7-4051-88A4-2070DAB9F37B}"/>
               </a:ext>
             </a:extLst>
           </p:cNvPr>
@@ -8124,7 +8114,7 @@
             <p:cNvPr id="149" name="직사각형 1">
               <a:extLst>
                 <a:ext uri="{FF2B5EF4-FFF2-40B4-BE49-F238E27FC236}">
-                  <a16:creationId xmlns="" xmlns:a16="http://schemas.microsoft.com/office/drawing/2014/main" id="{3ECA1621-79EF-472A-B728-E404BF2CFC34}"/>
+                  <a16:creationId xmlns:a16="http://schemas.microsoft.com/office/drawing/2014/main" xmlns="" id="{3ECA1621-79EF-472A-B728-E404BF2CFC34}"/>
                 </a:ext>
               </a:extLst>
             </p:cNvPr>
@@ -8176,7 +8166,7 @@
             <p:cNvPr id="150" name="직사각형 54">
               <a:extLst>
                 <a:ext uri="{FF2B5EF4-FFF2-40B4-BE49-F238E27FC236}">
-                  <a16:creationId xmlns="" xmlns:a16="http://schemas.microsoft.com/office/drawing/2014/main" id="{0FC26E3A-67E6-45A0-B9B1-F87FB7808E5C}"/>
+                  <a16:creationId xmlns:a16="http://schemas.microsoft.com/office/drawing/2014/main" xmlns="" id="{0FC26E3A-67E6-45A0-B9B1-F87FB7808E5C}"/>
                 </a:ext>
               </a:extLst>
             </p:cNvPr>
@@ -8240,7 +8230,7 @@
           <p:cNvPr id="151" name="직사각형 150">
             <a:extLst>
               <a:ext uri="{FF2B5EF4-FFF2-40B4-BE49-F238E27FC236}">
-                <a16:creationId xmlns="" xmlns:a16="http://schemas.microsoft.com/office/drawing/2014/main" id="{B27D5D01-E24E-4692-9756-CFEC9F35DF6D}"/>
+                <a16:creationId xmlns:a16="http://schemas.microsoft.com/office/drawing/2014/main" xmlns="" id="{B27D5D01-E24E-4692-9756-CFEC9F35DF6D}"/>
               </a:ext>
             </a:extLst>
           </p:cNvPr>
@@ -8299,17 +8289,7 @@
                   </a:schemeClr>
                 </a:solidFill>
               </a:rPr>
-              <a:t> </a:t>
-            </a:r>
-            <a:r>
-              <a:rPr lang="en-US" altLang="ko-KR" b="1" dirty="0" smtClean="0">
-                <a:solidFill>
-                  <a:schemeClr val="tx2">
-                    <a:lumMod val="75000"/>
-                  </a:schemeClr>
-                </a:solidFill>
-              </a:rPr>
-              <a:t>·</a:t>
+              <a:t> ·</a:t>
             </a:r>
             <a:endParaRPr lang="ko-KR" altLang="en-US" dirty="0">
               <a:solidFill>
@@ -8326,7 +8306,7 @@
           <p:cNvPr id="152" name="TextBox 151">
             <a:extLst>
               <a:ext uri="{FF2B5EF4-FFF2-40B4-BE49-F238E27FC236}">
-                <a16:creationId xmlns="" xmlns:a16="http://schemas.microsoft.com/office/drawing/2014/main" id="{DC0FBA52-AFB7-4051-88A4-2070DAB9F37B}"/>
+                <a16:creationId xmlns:a16="http://schemas.microsoft.com/office/drawing/2014/main" xmlns="" id="{DC0FBA52-AFB7-4051-88A4-2070DAB9F37B}"/>
               </a:ext>
             </a:extLst>
           </p:cNvPr>
@@ -8450,7 +8430,7 @@
           <p:cNvPr id="153" name="TextBox 152">
             <a:extLst>
               <a:ext uri="{FF2B5EF4-FFF2-40B4-BE49-F238E27FC236}">
-                <a16:creationId xmlns="" xmlns:a16="http://schemas.microsoft.com/office/drawing/2014/main" id="{8E807B52-AA8E-46B3-B325-6CD94F8E69E5}"/>
+                <a16:creationId xmlns:a16="http://schemas.microsoft.com/office/drawing/2014/main" xmlns="" id="{8E807B52-AA8E-46B3-B325-6CD94F8E69E5}"/>
               </a:ext>
             </a:extLst>
           </p:cNvPr>
@@ -8527,7 +8507,7 @@
             <p:cNvPr id="53" name="직사각형 1">
               <a:extLst>
                 <a:ext uri="{FF2B5EF4-FFF2-40B4-BE49-F238E27FC236}">
-                  <a16:creationId xmlns="" xmlns:a16="http://schemas.microsoft.com/office/drawing/2014/main" id="{3ECA1621-79EF-472A-B728-E404BF2CFC34}"/>
+                  <a16:creationId xmlns:a16="http://schemas.microsoft.com/office/drawing/2014/main" xmlns="" id="{3ECA1621-79EF-472A-B728-E404BF2CFC34}"/>
                 </a:ext>
               </a:extLst>
             </p:cNvPr>
@@ -8579,7 +8559,7 @@
             <p:cNvPr id="54" name="직사각형 54">
               <a:extLst>
                 <a:ext uri="{FF2B5EF4-FFF2-40B4-BE49-F238E27FC236}">
-                  <a16:creationId xmlns="" xmlns:a16="http://schemas.microsoft.com/office/drawing/2014/main" id="{0FC26E3A-67E6-45A0-B9B1-F87FB7808E5C}"/>
+                  <a16:creationId xmlns:a16="http://schemas.microsoft.com/office/drawing/2014/main" xmlns="" id="{0FC26E3A-67E6-45A0-B9B1-F87FB7808E5C}"/>
                 </a:ext>
               </a:extLst>
             </p:cNvPr>
@@ -8643,7 +8623,7 @@
           <p:cNvPr id="56" name="직사각형 55">
             <a:extLst>
               <a:ext uri="{FF2B5EF4-FFF2-40B4-BE49-F238E27FC236}">
-                <a16:creationId xmlns="" xmlns:a16="http://schemas.microsoft.com/office/drawing/2014/main" id="{B27D5D01-E24E-4692-9756-CFEC9F35DF6D}"/>
+                <a16:creationId xmlns:a16="http://schemas.microsoft.com/office/drawing/2014/main" xmlns="" id="{B27D5D01-E24E-4692-9756-CFEC9F35DF6D}"/>
               </a:ext>
             </a:extLst>
           </p:cNvPr>
@@ -8719,7 +8699,7 @@
           <p:cNvPr id="57" name="TextBox 56">
             <a:extLst>
               <a:ext uri="{FF2B5EF4-FFF2-40B4-BE49-F238E27FC236}">
-                <a16:creationId xmlns="" xmlns:a16="http://schemas.microsoft.com/office/drawing/2014/main" id="{DC0FBA52-AFB7-4051-88A4-2070DAB9F37B}"/>
+                <a16:creationId xmlns:a16="http://schemas.microsoft.com/office/drawing/2014/main" xmlns="" id="{DC0FBA52-AFB7-4051-88A4-2070DAB9F37B}"/>
               </a:ext>
             </a:extLst>
           </p:cNvPr>
@@ -8945,6 +8925,442 @@
           </a:p>
         </p:txBody>
       </p:sp>
+      <p:sp>
+        <p:nvSpPr>
+          <p:cNvPr id="4" name="TextBox 3"/>
+          <p:cNvSpPr txBox="1"/>
+          <p:nvPr/>
+        </p:nvSpPr>
+        <p:spPr>
+          <a:xfrm>
+            <a:off x="3238500" y="2360399"/>
+            <a:ext cx="6223000" cy="3477875"/>
+          </a:xfrm>
+          <a:prstGeom prst="rect">
+            <a:avLst/>
+          </a:prstGeom>
+          <a:noFill/>
+        </p:spPr>
+        <p:txBody>
+          <a:bodyPr wrap="square" rtlCol="0">
+            <a:spAutoFit/>
+          </a:bodyPr>
+          <a:lstStyle/>
+          <a:p>
+            <a:pPr lvl="0" fontAlgn="base"/>
+            <a:r>
+              <a:rPr lang="ko-KR" altLang="en-US" sz="1100" dirty="0"/>
+              <a:t>● </a:t>
+            </a:r>
+            <a:r>
+              <a:rPr lang="ko-KR" altLang="en-US" sz="1100" dirty="0" smtClean="0"/>
+              <a:t>예방수칙</a:t>
+            </a:r>
+            <a:endParaRPr lang="ko-KR" altLang="en-US" sz="1100" dirty="0"/>
+          </a:p>
+          <a:p>
+            <a:pPr lvl="0" fontAlgn="base"/>
+            <a:r>
+              <a:rPr lang="ko-KR" altLang="en-US" sz="1100" dirty="0"/>
+              <a:t>비누를 이용 하여 물에 </a:t>
+            </a:r>
+            <a:r>
+              <a:rPr lang="en-US" altLang="ko-KR" sz="1100" dirty="0"/>
+              <a:t>30</a:t>
+            </a:r>
+            <a:r>
+              <a:rPr lang="ko-KR" altLang="en-US" sz="1100" dirty="0"/>
+              <a:t>초 이상 꼼꼼히 자주 손 씻기</a:t>
+            </a:r>
+            <a:r>
+              <a:rPr lang="en-US" altLang="ko-KR" sz="1100" dirty="0"/>
+              <a:t>!</a:t>
+            </a:r>
+            <a:r>
+              <a:rPr lang="ko-KR" altLang="en-US" sz="1100" dirty="0"/>
+              <a:t/>
+            </a:r>
+            <a:br>
+              <a:rPr lang="ko-KR" altLang="en-US" sz="1100" dirty="0"/>
+            </a:br>
+            <a:r>
+              <a:rPr lang="ko-KR" altLang="en-US" sz="1100" dirty="0"/>
+              <a:t/>
+            </a:r>
+            <a:br>
+              <a:rPr lang="ko-KR" altLang="en-US" sz="1100" dirty="0"/>
+            </a:br>
+            <a:r>
+              <a:rPr lang="ko-KR" altLang="en-US" sz="1100" dirty="0" smtClean="0"/>
+              <a:t>평소 </a:t>
+            </a:r>
+            <a:r>
+              <a:rPr lang="ko-KR" altLang="en-US" sz="1100" dirty="0"/>
+              <a:t>손 씻기를 생활화 하세요</a:t>
+            </a:r>
+            <a:r>
+              <a:rPr lang="en-US" altLang="ko-KR" sz="1100" dirty="0"/>
+              <a:t>.</a:t>
+            </a:r>
+            <a:r>
+              <a:rPr lang="ko-KR" altLang="en-US" sz="1100" dirty="0"/>
+              <a:t/>
+            </a:r>
+            <a:br>
+              <a:rPr lang="ko-KR" altLang="en-US" sz="1100" dirty="0"/>
+            </a:br>
+            <a:r>
+              <a:rPr lang="ko-KR" altLang="en-US" sz="1100" dirty="0" smtClean="0"/>
+              <a:t>외출 </a:t>
+            </a:r>
+            <a:r>
+              <a:rPr lang="ko-KR" altLang="en-US" sz="1100" dirty="0"/>
+              <a:t>후나 사람이 많이 모이는 장소를 다녀오신 후에는 반드시 손을 씻으세요</a:t>
+            </a:r>
+            <a:r>
+              <a:rPr lang="en-US" altLang="ko-KR" sz="1100" dirty="0"/>
+              <a:t>.</a:t>
+            </a:r>
+            <a:r>
+              <a:rPr lang="ko-KR" altLang="en-US" sz="1100" dirty="0"/>
+              <a:t/>
+            </a:r>
+            <a:br>
+              <a:rPr lang="ko-KR" altLang="en-US" sz="1100" dirty="0"/>
+            </a:br>
+            <a:r>
+              <a:rPr lang="ko-KR" altLang="en-US" sz="1100" dirty="0"/>
+              <a:t>기</a:t>
+            </a:r>
+            <a:r>
+              <a:rPr lang="ko-KR" altLang="en-US" sz="1100" dirty="0" smtClean="0"/>
+              <a:t>침이나 </a:t>
+            </a:r>
+            <a:r>
+              <a:rPr lang="ko-KR" altLang="en-US" sz="1100" dirty="0"/>
+              <a:t>재채기 후에는 꼭 손을 씻으세요</a:t>
+            </a:r>
+            <a:r>
+              <a:rPr lang="en-US" altLang="ko-KR" sz="1100" dirty="0"/>
+              <a:t>.</a:t>
+            </a:r>
+            <a:r>
+              <a:rPr lang="ko-KR" altLang="en-US" sz="1100" dirty="0"/>
+              <a:t/>
+            </a:r>
+            <a:br>
+              <a:rPr lang="ko-KR" altLang="en-US" sz="1100" dirty="0"/>
+            </a:br>
+            <a:endParaRPr lang="ko-KR" altLang="en-US" sz="1100" dirty="0"/>
+          </a:p>
+          <a:p>
+            <a:pPr lvl="0" fontAlgn="base"/>
+            <a:r>
+              <a:rPr lang="ko-KR" altLang="en-US" sz="1100" dirty="0"/>
+              <a:t>● </a:t>
+            </a:r>
+            <a:r>
+              <a:rPr lang="ko-KR" altLang="en-US" sz="1100" dirty="0" smtClean="0"/>
+              <a:t>기침 </a:t>
+            </a:r>
+            <a:r>
+              <a:rPr lang="ko-KR" altLang="en-US" sz="1100" dirty="0"/>
+              <a:t>등 호흡기 증상이 있을 경우 반드시 기침 예절준수</a:t>
+            </a:r>
+            <a:r>
+              <a:rPr lang="en-US" altLang="ko-KR" sz="1100" dirty="0"/>
+              <a:t>!</a:t>
+            </a:r>
+            <a:r>
+              <a:rPr lang="ko-KR" altLang="en-US" sz="1100" dirty="0"/>
+              <a:t/>
+            </a:r>
+            <a:br>
+              <a:rPr lang="ko-KR" altLang="en-US" sz="1100" dirty="0"/>
+            </a:br>
+            <a:r>
+              <a:rPr lang="ko-KR" altLang="en-US" sz="1100" dirty="0"/>
+              <a:t/>
+            </a:r>
+            <a:br>
+              <a:rPr lang="ko-KR" altLang="en-US" sz="1100" dirty="0"/>
+            </a:br>
+            <a:r>
+              <a:rPr lang="ko-KR" altLang="en-US" sz="1100" dirty="0" smtClean="0"/>
+              <a:t>특히 </a:t>
+            </a:r>
+            <a:r>
+              <a:rPr lang="ko-KR" altLang="en-US" sz="1100" dirty="0"/>
+              <a:t>의료기관 방문 시 마스크를 착용하세요</a:t>
+            </a:r>
+            <a:r>
+              <a:rPr lang="en-US" altLang="ko-KR" sz="1100" dirty="0"/>
+              <a:t>.</a:t>
+            </a:r>
+            <a:r>
+              <a:rPr lang="ko-KR" altLang="en-US" sz="1100" dirty="0"/>
+              <a:t/>
+            </a:r>
+            <a:br>
+              <a:rPr lang="ko-KR" altLang="en-US" sz="1100" dirty="0"/>
+            </a:br>
+            <a:r>
+              <a:rPr lang="ko-KR" altLang="en-US" sz="1100" dirty="0" smtClean="0"/>
+              <a:t>사람이 </a:t>
+            </a:r>
+            <a:r>
+              <a:rPr lang="ko-KR" altLang="en-US" sz="1100" dirty="0"/>
+              <a:t>많이 모이는 장소 등을 방문 시 마스크를 착용하세요</a:t>
+            </a:r>
+            <a:r>
+              <a:rPr lang="en-US" altLang="ko-KR" sz="1100" dirty="0"/>
+              <a:t>.</a:t>
+            </a:r>
+            <a:r>
+              <a:rPr lang="ko-KR" altLang="en-US" sz="1100" dirty="0"/>
+              <a:t/>
+            </a:r>
+            <a:br>
+              <a:rPr lang="ko-KR" altLang="en-US" sz="1100" dirty="0"/>
+            </a:br>
+            <a:r>
+              <a:rPr lang="ko-KR" altLang="en-US" sz="1100" dirty="0" smtClean="0"/>
+              <a:t>마스크가 </a:t>
+            </a:r>
+            <a:r>
+              <a:rPr lang="ko-KR" altLang="en-US" sz="1100" dirty="0"/>
+              <a:t>없으면 기침이나 재채기 할 때 옷소매로 입과 코를 가리세요</a:t>
+            </a:r>
+            <a:r>
+              <a:rPr lang="en-US" altLang="ko-KR" sz="1100" dirty="0"/>
+              <a:t>.</a:t>
+            </a:r>
+            <a:r>
+              <a:rPr lang="ko-KR" altLang="en-US" sz="1100" dirty="0"/>
+              <a:t/>
+            </a:r>
+            <a:br>
+              <a:rPr lang="ko-KR" altLang="en-US" sz="1100" dirty="0"/>
+            </a:br>
+            <a:endParaRPr lang="ko-KR" altLang="en-US" sz="1100" dirty="0"/>
+          </a:p>
+          <a:p>
+            <a:pPr lvl="0" fontAlgn="base"/>
+            <a:r>
+              <a:rPr lang="ko-KR" altLang="en-US" sz="1100" dirty="0"/>
+              <a:t>● </a:t>
+            </a:r>
+            <a:r>
+              <a:rPr lang="ko-KR" altLang="en-US" sz="1100" dirty="0" smtClean="0"/>
+              <a:t>눈</a:t>
+            </a:r>
+            <a:r>
+              <a:rPr lang="en-US" altLang="ko-KR" sz="1100" dirty="0"/>
+              <a:t>·</a:t>
+            </a:r>
+            <a:r>
+              <a:rPr lang="ko-KR" altLang="en-US" sz="1100" dirty="0"/>
+              <a:t>코</a:t>
+            </a:r>
+            <a:r>
+              <a:rPr lang="en-US" altLang="ko-KR" sz="1100" dirty="0"/>
+              <a:t>·</a:t>
+            </a:r>
+            <a:r>
+              <a:rPr lang="ko-KR" altLang="en-US" sz="1100" dirty="0"/>
+              <a:t>입 만지지 않기</a:t>
+            </a:r>
+            <a:r>
+              <a:rPr lang="en-US" altLang="ko-KR" sz="1100" dirty="0"/>
+              <a:t>!</a:t>
+            </a:r>
+            <a:r>
+              <a:rPr lang="ko-KR" altLang="en-US" sz="1100" dirty="0"/>
+              <a:t/>
+            </a:r>
+            <a:br>
+              <a:rPr lang="ko-KR" altLang="en-US" sz="1100" dirty="0"/>
+            </a:br>
+            <a:endParaRPr lang="ko-KR" altLang="en-US" sz="1100" dirty="0"/>
+          </a:p>
+          <a:p>
+            <a:pPr lvl="0" fontAlgn="base"/>
+            <a:r>
+              <a:rPr lang="ko-KR" altLang="en-US" sz="1100" dirty="0"/>
+              <a:t>중국 여행 후 </a:t>
+            </a:r>
+            <a:r>
+              <a:rPr lang="en-US" altLang="ko-KR" sz="1100" dirty="0"/>
+              <a:t>14</a:t>
+            </a:r>
+            <a:r>
+              <a:rPr lang="ko-KR" altLang="en-US" sz="1100" dirty="0"/>
+              <a:t>일 이내 발열 또는 호흡기 증상</a:t>
+            </a:r>
+            <a:r>
+              <a:rPr lang="en-US" altLang="ko-KR" sz="1100" dirty="0"/>
+              <a:t>( </a:t>
+            </a:r>
+            <a:r>
+              <a:rPr lang="ko-KR" altLang="en-US" sz="1100" dirty="0"/>
+              <a:t>기침</a:t>
+            </a:r>
+            <a:r>
+              <a:rPr lang="en-US" altLang="ko-KR" sz="1100" dirty="0"/>
+              <a:t>, </a:t>
+            </a:r>
+            <a:r>
+              <a:rPr lang="ko-KR" altLang="en-US" sz="1100" dirty="0" err="1"/>
+              <a:t>인후통</a:t>
+            </a:r>
+            <a:r>
+              <a:rPr lang="ko-KR" altLang="en-US" sz="1100" dirty="0"/>
+              <a:t> 등</a:t>
+            </a:r>
+            <a:r>
+              <a:rPr lang="en-US" altLang="ko-KR" sz="1100" dirty="0"/>
+              <a:t>) </a:t>
+            </a:r>
+            <a:r>
+              <a:rPr lang="ko-KR" altLang="en-US" sz="1100" dirty="0"/>
+              <a:t>폐렴이 발생한 경우</a:t>
+            </a:r>
+            <a:br>
+              <a:rPr lang="ko-KR" altLang="en-US" sz="1100" dirty="0"/>
+            </a:br>
+            <a:r>
+              <a:rPr lang="ko-KR" altLang="en-US" sz="1100" dirty="0"/>
+              <a:t/>
+            </a:r>
+            <a:br>
+              <a:rPr lang="ko-KR" altLang="en-US" sz="1100" dirty="0"/>
+            </a:br>
+            <a:r>
+              <a:rPr lang="ko-KR" altLang="en-US" sz="1100" dirty="0" smtClean="0"/>
+              <a:t>보건소 </a:t>
+            </a:r>
+            <a:r>
+              <a:rPr lang="en-US" altLang="ko-KR" sz="1100" dirty="0"/>
+              <a:t>, </a:t>
+            </a:r>
+            <a:r>
+              <a:rPr lang="ko-KR" altLang="en-US" sz="1100" dirty="0" err="1"/>
+              <a:t>콜센터</a:t>
+            </a:r>
+            <a:r>
+              <a:rPr lang="ko-KR" altLang="en-US" sz="1100" dirty="0"/>
+              <a:t> </a:t>
+            </a:r>
+            <a:r>
+              <a:rPr lang="en-US" altLang="ko-KR" sz="1100" dirty="0"/>
+              <a:t>( </a:t>
+            </a:r>
+            <a:r>
+              <a:rPr lang="ko-KR" altLang="en-US" sz="1100" dirty="0"/>
+              <a:t>지역번호 * </a:t>
+            </a:r>
+            <a:r>
+              <a:rPr lang="en-US" altLang="ko-KR" sz="1100" dirty="0"/>
+              <a:t>120 </a:t>
+            </a:r>
+            <a:r>
+              <a:rPr lang="ko-KR" altLang="en-US" sz="1100" dirty="0"/>
+              <a:t>또는 </a:t>
+            </a:r>
+            <a:r>
+              <a:rPr lang="en-US" altLang="ko-KR" sz="1100" dirty="0"/>
+              <a:t>1339 ) </a:t>
+            </a:r>
+            <a:r>
+              <a:rPr lang="ko-KR" altLang="en-US" sz="1100" dirty="0"/>
+              <a:t>로 문의</a:t>
+            </a:r>
+            <a:br>
+              <a:rPr lang="ko-KR" altLang="en-US" sz="1100" dirty="0"/>
+            </a:br>
+            <a:r>
+              <a:rPr lang="ko-KR" altLang="en-US" sz="1100" dirty="0" smtClean="0"/>
+              <a:t>선별 </a:t>
+            </a:r>
+            <a:r>
+              <a:rPr lang="ko-KR" altLang="en-US" sz="1100" dirty="0"/>
+              <a:t>진료소에서 우선 진료받기</a:t>
+            </a:r>
+            <a:br>
+              <a:rPr lang="ko-KR" altLang="en-US" sz="1100" dirty="0"/>
+            </a:br>
+            <a:r>
+              <a:rPr lang="ko-KR" altLang="en-US" sz="1100" dirty="0" smtClean="0"/>
+              <a:t>의료진에게 </a:t>
+            </a:r>
+            <a:r>
+              <a:rPr lang="ko-KR" altLang="en-US" sz="1100" dirty="0"/>
+              <a:t>반드시 해외 여행 이력 </a:t>
+            </a:r>
+            <a:r>
+              <a:rPr lang="ko-KR" altLang="en-US" sz="1100" dirty="0" smtClean="0"/>
+              <a:t>알리기</a:t>
+            </a:r>
+            <a:endParaRPr lang="ko-KR" altLang="en-US" sz="1100" dirty="0"/>
+          </a:p>
+        </p:txBody>
+      </p:sp>
+      <p:sp>
+        <p:nvSpPr>
+          <p:cNvPr id="36" name="TextBox 35"/>
+          <p:cNvSpPr txBox="1"/>
+          <p:nvPr/>
+        </p:nvSpPr>
+        <p:spPr>
+          <a:xfrm>
+            <a:off x="8026400" y="218660"/>
+            <a:ext cx="1986441" cy="584775"/>
+          </a:xfrm>
+          <a:prstGeom prst="rect">
+            <a:avLst/>
+          </a:prstGeom>
+          <a:noFill/>
+        </p:spPr>
+        <p:txBody>
+          <a:bodyPr wrap="none" rtlCol="0">
+            <a:spAutoFit/>
+          </a:bodyPr>
+          <a:lstStyle/>
+          <a:p>
+            <a:r>
+              <a:rPr lang="ko-KR" altLang="en-US" sz="3200" b="1" dirty="0" smtClean="0">
+                <a:solidFill>
+                  <a:srgbClr val="CA3020"/>
+                </a:solidFill>
+                <a:effectLst>
+                  <a:outerShdw blurRad="38100" dist="38100" dir="2700000" algn="tl">
+                    <a:srgbClr val="000000">
+                      <a:alpha val="43137"/>
+                    </a:srgbClr>
+                  </a:outerShdw>
+                </a:effectLst>
+                <a:latin typeface="나눔스퀘어라운드 ExtraBold" panose="020B0600000101010101" pitchFamily="50" charset="-127"/>
+                <a:ea typeface="나눔스퀘어라운드 ExtraBold" panose="020B0600000101010101" pitchFamily="50" charset="-127"/>
+              </a:rPr>
+              <a:t>예방   수칙</a:t>
+            </a:r>
+            <a:endParaRPr lang="ko-KR" altLang="en-US" sz="3200" b="1" dirty="0">
+              <a:solidFill>
+                <a:srgbClr val="CA3020"/>
+              </a:solidFill>
+              <a:effectLst>
+                <a:outerShdw blurRad="38100" dist="38100" dir="2700000" algn="tl">
+                  <a:srgbClr val="000000">
+                    <a:alpha val="43137"/>
+                  </a:srgbClr>
+                </a:outerShdw>
+              </a:effectLst>
+              <a:latin typeface="나눔스퀘어라운드 ExtraBold" panose="020B0600000101010101" pitchFamily="50" charset="-127"/>
+              <a:ea typeface="나눔스퀘어라운드 ExtraBold" panose="020B0600000101010101" pitchFamily="50" charset="-127"/>
+            </a:endParaRPr>
+          </a:p>
+        </p:txBody>
+      </p:sp>
     </p:spTree>
     <p:extLst>
       <p:ext uri="{BB962C8B-B14F-4D97-AF65-F5344CB8AC3E}">
@@ -8987,7 +9403,7 @@
           <p:cNvPr id="6" name="직사각형 5">
             <a:extLst>
               <a:ext uri="{FF2B5EF4-FFF2-40B4-BE49-F238E27FC236}">
-                <a16:creationId xmlns="" xmlns:a16="http://schemas.microsoft.com/office/drawing/2014/main" id="{8795C1DD-1F3C-4816-AAC8-C0E0EAEA9F7F}"/>
+                <a16:creationId xmlns:a16="http://schemas.microsoft.com/office/drawing/2014/main" xmlns="" id="{8795C1DD-1F3C-4816-AAC8-C0E0EAEA9F7F}"/>
               </a:ext>
             </a:extLst>
           </p:cNvPr>
@@ -9039,7 +9455,7 @@
           <p:cNvPr id="14" name="TextBox 13">
             <a:extLst>
               <a:ext uri="{FF2B5EF4-FFF2-40B4-BE49-F238E27FC236}">
-                <a16:creationId xmlns="" xmlns:a16="http://schemas.microsoft.com/office/drawing/2014/main" id="{AE6FAC2E-2879-412D-973D-9AB05084879A}"/>
+                <a16:creationId xmlns:a16="http://schemas.microsoft.com/office/drawing/2014/main" xmlns="" id="{AE6FAC2E-2879-412D-973D-9AB05084879A}"/>
               </a:ext>
             </a:extLst>
           </p:cNvPr>
@@ -9101,7 +9517,7 @@
           <p:cNvPr id="64" name="직선 연결선 63">
             <a:extLst>
               <a:ext uri="{FF2B5EF4-FFF2-40B4-BE49-F238E27FC236}">
-                <a16:creationId xmlns="" xmlns:a16="http://schemas.microsoft.com/office/drawing/2014/main" id="{EF1D20F2-F483-4FF0-8EC2-CA3436A246F5}"/>
+                <a16:creationId xmlns:a16="http://schemas.microsoft.com/office/drawing/2014/main" xmlns="" id="{EF1D20F2-F483-4FF0-8EC2-CA3436A246F5}"/>
               </a:ext>
             </a:extLst>
           </p:cNvPr>
@@ -9144,7 +9560,7 @@
           <p:cNvPr id="65" name="TextBox 64">
             <a:extLst>
               <a:ext uri="{FF2B5EF4-FFF2-40B4-BE49-F238E27FC236}">
-                <a16:creationId xmlns="" xmlns:a16="http://schemas.microsoft.com/office/drawing/2014/main" id="{9A0486C3-93C6-4276-B4B2-259291298137}"/>
+                <a16:creationId xmlns:a16="http://schemas.microsoft.com/office/drawing/2014/main" xmlns="" id="{9A0486C3-93C6-4276-B4B2-259291298137}"/>
               </a:ext>
             </a:extLst>
           </p:cNvPr>
@@ -9246,7 +9662,7 @@
             <p:cNvPr id="2" name="직사각형 1">
               <a:extLst>
                 <a:ext uri="{FF2B5EF4-FFF2-40B4-BE49-F238E27FC236}">
-                  <a16:creationId xmlns="" xmlns:a16="http://schemas.microsoft.com/office/drawing/2014/main" id="{3ECA1621-79EF-472A-B728-E404BF2CFC34}"/>
+                  <a16:creationId xmlns:a16="http://schemas.microsoft.com/office/drawing/2014/main" xmlns="" id="{3ECA1621-79EF-472A-B728-E404BF2CFC34}"/>
                 </a:ext>
               </a:extLst>
             </p:cNvPr>
@@ -9298,7 +9714,7 @@
             <p:cNvPr id="55" name="직사각형 54">
               <a:extLst>
                 <a:ext uri="{FF2B5EF4-FFF2-40B4-BE49-F238E27FC236}">
-                  <a16:creationId xmlns="" xmlns:a16="http://schemas.microsoft.com/office/drawing/2014/main" id="{0FC26E3A-67E6-45A0-B9B1-F87FB7808E5C}"/>
+                  <a16:creationId xmlns:a16="http://schemas.microsoft.com/office/drawing/2014/main" xmlns="" id="{0FC26E3A-67E6-45A0-B9B1-F87FB7808E5C}"/>
                 </a:ext>
               </a:extLst>
             </p:cNvPr>
@@ -9362,7 +9778,7 @@
           <p:cNvPr id="89" name="직사각형 88">
             <a:extLst>
               <a:ext uri="{FF2B5EF4-FFF2-40B4-BE49-F238E27FC236}">
-                <a16:creationId xmlns="" xmlns:a16="http://schemas.microsoft.com/office/drawing/2014/main" id="{B27D5D01-E24E-4692-9756-CFEC9F35DF6D}"/>
+                <a16:creationId xmlns:a16="http://schemas.microsoft.com/office/drawing/2014/main" xmlns="" id="{B27D5D01-E24E-4692-9756-CFEC9F35DF6D}"/>
               </a:ext>
             </a:extLst>
           </p:cNvPr>
@@ -9438,7 +9854,7 @@
           <p:cNvPr id="23" name="TextBox 22">
             <a:extLst>
               <a:ext uri="{FF2B5EF4-FFF2-40B4-BE49-F238E27FC236}">
-                <a16:creationId xmlns="" xmlns:a16="http://schemas.microsoft.com/office/drawing/2014/main" id="{DC0FBA52-AFB7-4051-88A4-2070DAB9F37B}"/>
+                <a16:creationId xmlns:a16="http://schemas.microsoft.com/office/drawing/2014/main" xmlns="" id="{DC0FBA52-AFB7-4051-88A4-2070DAB9F37B}"/>
               </a:ext>
             </a:extLst>
           </p:cNvPr>
@@ -9561,7 +9977,7 @@
             <p:cNvPr id="127" name="직사각형 1">
               <a:extLst>
                 <a:ext uri="{FF2B5EF4-FFF2-40B4-BE49-F238E27FC236}">
-                  <a16:creationId xmlns="" xmlns:a16="http://schemas.microsoft.com/office/drawing/2014/main" id="{3ECA1621-79EF-472A-B728-E404BF2CFC34}"/>
+                  <a16:creationId xmlns:a16="http://schemas.microsoft.com/office/drawing/2014/main" xmlns="" id="{3ECA1621-79EF-472A-B728-E404BF2CFC34}"/>
                 </a:ext>
               </a:extLst>
             </p:cNvPr>
@@ -9613,7 +10029,7 @@
             <p:cNvPr id="128" name="직사각형 54">
               <a:extLst>
                 <a:ext uri="{FF2B5EF4-FFF2-40B4-BE49-F238E27FC236}">
-                  <a16:creationId xmlns="" xmlns:a16="http://schemas.microsoft.com/office/drawing/2014/main" id="{0FC26E3A-67E6-45A0-B9B1-F87FB7808E5C}"/>
+                  <a16:creationId xmlns:a16="http://schemas.microsoft.com/office/drawing/2014/main" xmlns="" id="{0FC26E3A-67E6-45A0-B9B1-F87FB7808E5C}"/>
                 </a:ext>
               </a:extLst>
             </p:cNvPr>
@@ -9677,7 +10093,7 @@
           <p:cNvPr id="129" name="직사각형 128">
             <a:extLst>
               <a:ext uri="{FF2B5EF4-FFF2-40B4-BE49-F238E27FC236}">
-                <a16:creationId xmlns="" xmlns:a16="http://schemas.microsoft.com/office/drawing/2014/main" id="{B27D5D01-E24E-4692-9756-CFEC9F35DF6D}"/>
+                <a16:creationId xmlns:a16="http://schemas.microsoft.com/office/drawing/2014/main" xmlns="" id="{B27D5D01-E24E-4692-9756-CFEC9F35DF6D}"/>
               </a:ext>
             </a:extLst>
           </p:cNvPr>
@@ -9753,7 +10169,7 @@
           <p:cNvPr id="130" name="TextBox 129">
             <a:extLst>
               <a:ext uri="{FF2B5EF4-FFF2-40B4-BE49-F238E27FC236}">
-                <a16:creationId xmlns="" xmlns:a16="http://schemas.microsoft.com/office/drawing/2014/main" id="{DC0FBA52-AFB7-4051-88A4-2070DAB9F37B}"/>
+                <a16:creationId xmlns:a16="http://schemas.microsoft.com/office/drawing/2014/main" xmlns="" id="{DC0FBA52-AFB7-4051-88A4-2070DAB9F37B}"/>
               </a:ext>
             </a:extLst>
           </p:cNvPr>
@@ -9836,7 +10252,7 @@
             <p:cNvPr id="132" name="직사각형 1">
               <a:extLst>
                 <a:ext uri="{FF2B5EF4-FFF2-40B4-BE49-F238E27FC236}">
-                  <a16:creationId xmlns="" xmlns:a16="http://schemas.microsoft.com/office/drawing/2014/main" id="{3ECA1621-79EF-472A-B728-E404BF2CFC34}"/>
+                  <a16:creationId xmlns:a16="http://schemas.microsoft.com/office/drawing/2014/main" xmlns="" id="{3ECA1621-79EF-472A-B728-E404BF2CFC34}"/>
                 </a:ext>
               </a:extLst>
             </p:cNvPr>
@@ -9888,7 +10304,7 @@
             <p:cNvPr id="133" name="직사각형 54">
               <a:extLst>
                 <a:ext uri="{FF2B5EF4-FFF2-40B4-BE49-F238E27FC236}">
-                  <a16:creationId xmlns="" xmlns:a16="http://schemas.microsoft.com/office/drawing/2014/main" id="{0FC26E3A-67E6-45A0-B9B1-F87FB7808E5C}"/>
+                  <a16:creationId xmlns:a16="http://schemas.microsoft.com/office/drawing/2014/main" xmlns="" id="{0FC26E3A-67E6-45A0-B9B1-F87FB7808E5C}"/>
                 </a:ext>
               </a:extLst>
             </p:cNvPr>
@@ -9952,7 +10368,7 @@
           <p:cNvPr id="134" name="직사각형 133">
             <a:extLst>
               <a:ext uri="{FF2B5EF4-FFF2-40B4-BE49-F238E27FC236}">
-                <a16:creationId xmlns="" xmlns:a16="http://schemas.microsoft.com/office/drawing/2014/main" id="{B27D5D01-E24E-4692-9756-CFEC9F35DF6D}"/>
+                <a16:creationId xmlns:a16="http://schemas.microsoft.com/office/drawing/2014/main" xmlns="" id="{B27D5D01-E24E-4692-9756-CFEC9F35DF6D}"/>
               </a:ext>
             </a:extLst>
           </p:cNvPr>
@@ -10028,7 +10444,7 @@
           <p:cNvPr id="135" name="TextBox 134">
             <a:extLst>
               <a:ext uri="{FF2B5EF4-FFF2-40B4-BE49-F238E27FC236}">
-                <a16:creationId xmlns="" xmlns:a16="http://schemas.microsoft.com/office/drawing/2014/main" id="{DC0FBA52-AFB7-4051-88A4-2070DAB9F37B}"/>
+                <a16:creationId xmlns:a16="http://schemas.microsoft.com/office/drawing/2014/main" xmlns="" id="{DC0FBA52-AFB7-4051-88A4-2070DAB9F37B}"/>
               </a:ext>
             </a:extLst>
           </p:cNvPr>
@@ -10131,7 +10547,7 @@
             <p:cNvPr id="149" name="직사각형 1">
               <a:extLst>
                 <a:ext uri="{FF2B5EF4-FFF2-40B4-BE49-F238E27FC236}">
-                  <a16:creationId xmlns="" xmlns:a16="http://schemas.microsoft.com/office/drawing/2014/main" id="{3ECA1621-79EF-472A-B728-E404BF2CFC34}"/>
+                  <a16:creationId xmlns:a16="http://schemas.microsoft.com/office/drawing/2014/main" xmlns="" id="{3ECA1621-79EF-472A-B728-E404BF2CFC34}"/>
                 </a:ext>
               </a:extLst>
             </p:cNvPr>
@@ -10183,7 +10599,7 @@
             <p:cNvPr id="150" name="직사각형 54">
               <a:extLst>
                 <a:ext uri="{FF2B5EF4-FFF2-40B4-BE49-F238E27FC236}">
-                  <a16:creationId xmlns="" xmlns:a16="http://schemas.microsoft.com/office/drawing/2014/main" id="{0FC26E3A-67E6-45A0-B9B1-F87FB7808E5C}"/>
+                  <a16:creationId xmlns:a16="http://schemas.microsoft.com/office/drawing/2014/main" xmlns="" id="{0FC26E3A-67E6-45A0-B9B1-F87FB7808E5C}"/>
                 </a:ext>
               </a:extLst>
             </p:cNvPr>
@@ -10247,7 +10663,7 @@
           <p:cNvPr id="151" name="직사각형 150">
             <a:extLst>
               <a:ext uri="{FF2B5EF4-FFF2-40B4-BE49-F238E27FC236}">
-                <a16:creationId xmlns="" xmlns:a16="http://schemas.microsoft.com/office/drawing/2014/main" id="{B27D5D01-E24E-4692-9756-CFEC9F35DF6D}"/>
+                <a16:creationId xmlns:a16="http://schemas.microsoft.com/office/drawing/2014/main" xmlns="" id="{B27D5D01-E24E-4692-9756-CFEC9F35DF6D}"/>
               </a:ext>
             </a:extLst>
           </p:cNvPr>
@@ -10306,17 +10722,7 @@
                   </a:schemeClr>
                 </a:solidFill>
               </a:rPr>
-              <a:t> </a:t>
-            </a:r>
-            <a:r>
-              <a:rPr lang="en-US" altLang="ko-KR" b="1" dirty="0" smtClean="0">
-                <a:solidFill>
-                  <a:schemeClr val="tx2">
-                    <a:lumMod val="75000"/>
-                  </a:schemeClr>
-                </a:solidFill>
-              </a:rPr>
-              <a:t>·</a:t>
+              <a:t> ·</a:t>
             </a:r>
             <a:endParaRPr lang="ko-KR" altLang="en-US" dirty="0">
               <a:solidFill>
@@ -10333,7 +10739,7 @@
           <p:cNvPr id="152" name="TextBox 151">
             <a:extLst>
               <a:ext uri="{FF2B5EF4-FFF2-40B4-BE49-F238E27FC236}">
-                <a16:creationId xmlns="" xmlns:a16="http://schemas.microsoft.com/office/drawing/2014/main" id="{DC0FBA52-AFB7-4051-88A4-2070DAB9F37B}"/>
+                <a16:creationId xmlns:a16="http://schemas.microsoft.com/office/drawing/2014/main" xmlns="" id="{DC0FBA52-AFB7-4051-88A4-2070DAB9F37B}"/>
               </a:ext>
             </a:extLst>
           </p:cNvPr>
@@ -10457,7 +10863,7 @@
           <p:cNvPr id="153" name="TextBox 152">
             <a:extLst>
               <a:ext uri="{FF2B5EF4-FFF2-40B4-BE49-F238E27FC236}">
-                <a16:creationId xmlns="" xmlns:a16="http://schemas.microsoft.com/office/drawing/2014/main" id="{8E807B52-AA8E-46B3-B325-6CD94F8E69E5}"/>
+                <a16:creationId xmlns:a16="http://schemas.microsoft.com/office/drawing/2014/main" xmlns="" id="{8E807B52-AA8E-46B3-B325-6CD94F8E69E5}"/>
               </a:ext>
             </a:extLst>
           </p:cNvPr>
@@ -10534,7 +10940,7 @@
             <p:cNvPr id="53" name="직사각형 1">
               <a:extLst>
                 <a:ext uri="{FF2B5EF4-FFF2-40B4-BE49-F238E27FC236}">
-                  <a16:creationId xmlns="" xmlns:a16="http://schemas.microsoft.com/office/drawing/2014/main" id="{3ECA1621-79EF-472A-B728-E404BF2CFC34}"/>
+                  <a16:creationId xmlns:a16="http://schemas.microsoft.com/office/drawing/2014/main" xmlns="" id="{3ECA1621-79EF-472A-B728-E404BF2CFC34}"/>
                 </a:ext>
               </a:extLst>
             </p:cNvPr>
@@ -10586,7 +10992,7 @@
             <p:cNvPr id="54" name="직사각형 54">
               <a:extLst>
                 <a:ext uri="{FF2B5EF4-FFF2-40B4-BE49-F238E27FC236}">
-                  <a16:creationId xmlns="" xmlns:a16="http://schemas.microsoft.com/office/drawing/2014/main" id="{0FC26E3A-67E6-45A0-B9B1-F87FB7808E5C}"/>
+                  <a16:creationId xmlns:a16="http://schemas.microsoft.com/office/drawing/2014/main" xmlns="" id="{0FC26E3A-67E6-45A0-B9B1-F87FB7808E5C}"/>
                 </a:ext>
               </a:extLst>
             </p:cNvPr>
@@ -10650,7 +11056,7 @@
           <p:cNvPr id="56" name="직사각형 55">
             <a:extLst>
               <a:ext uri="{FF2B5EF4-FFF2-40B4-BE49-F238E27FC236}">
-                <a16:creationId xmlns="" xmlns:a16="http://schemas.microsoft.com/office/drawing/2014/main" id="{B27D5D01-E24E-4692-9756-CFEC9F35DF6D}"/>
+                <a16:creationId xmlns:a16="http://schemas.microsoft.com/office/drawing/2014/main" xmlns="" id="{B27D5D01-E24E-4692-9756-CFEC9F35DF6D}"/>
               </a:ext>
             </a:extLst>
           </p:cNvPr>
@@ -10726,7 +11132,7 @@
           <p:cNvPr id="57" name="TextBox 56">
             <a:extLst>
               <a:ext uri="{FF2B5EF4-FFF2-40B4-BE49-F238E27FC236}">
-                <a16:creationId xmlns="" xmlns:a16="http://schemas.microsoft.com/office/drawing/2014/main" id="{DC0FBA52-AFB7-4051-88A4-2070DAB9F37B}"/>
+                <a16:creationId xmlns:a16="http://schemas.microsoft.com/office/drawing/2014/main" xmlns="" id="{DC0FBA52-AFB7-4051-88A4-2070DAB9F37B}"/>
               </a:ext>
             </a:extLst>
           </p:cNvPr>
@@ -10952,6 +11358,60 @@
           </a:p>
         </p:txBody>
       </p:sp>
+      <p:pic>
+        <p:nvPicPr>
+          <p:cNvPr id="1026" name="Picture 2"/>
+          <p:cNvPicPr>
+            <a:picLocks noChangeAspect="1" noChangeArrowheads="1"/>
+          </p:cNvPicPr>
+          <p:nvPr/>
+        </p:nvPicPr>
+        <p:blipFill>
+          <a:blip r:embed="rId3">
+            <a:extLst>
+              <a:ext uri="{28A0092B-C50C-407E-A947-70E740481C1C}">
+                <a14:useLocalDpi xmlns:a14="http://schemas.microsoft.com/office/drawing/2010/main" val="0"/>
+              </a:ext>
+            </a:extLst>
+          </a:blip>
+          <a:srcRect/>
+          <a:stretch>
+            <a:fillRect/>
+          </a:stretch>
+        </p:blipFill>
+        <p:spPr bwMode="auto">
+          <a:xfrm>
+            <a:off x="3063368" y="721430"/>
+            <a:ext cx="2762250" cy="781050"/>
+          </a:xfrm>
+          <a:prstGeom prst="rect">
+            <a:avLst/>
+          </a:prstGeom>
+          <a:noFill/>
+          <a:ln>
+            <a:noFill/>
+          </a:ln>
+          <a:extLst>
+            <a:ext uri="{909E8E84-426E-40DD-AFC4-6F175D3DCCD1}">
+              <a14:hiddenFill xmlns:a14="http://schemas.microsoft.com/office/drawing/2010/main">
+                <a:solidFill>
+                  <a:schemeClr val="accent1"/>
+                </a:solidFill>
+              </a14:hiddenFill>
+            </a:ext>
+            <a:ext uri="{91240B29-F687-4F45-9708-019B960494DF}">
+              <a14:hiddenLine xmlns:a14="http://schemas.microsoft.com/office/drawing/2010/main" w="9525">
+                <a:solidFill>
+                  <a:schemeClr val="tx1"/>
+                </a:solidFill>
+                <a:miter lim="800000"/>
+                <a:headEnd/>
+                <a:tailEnd/>
+              </a14:hiddenLine>
+            </a:ext>
+          </a:extLst>
+        </p:spPr>
+      </p:pic>
     </p:spTree>
     <p:extLst>
       <p:ext uri="{BB962C8B-B14F-4D97-AF65-F5344CB8AC3E}">
@@ -10994,7 +11454,7 @@
           <p:cNvPr id="6" name="직사각형 5">
             <a:extLst>
               <a:ext uri="{FF2B5EF4-FFF2-40B4-BE49-F238E27FC236}">
-                <a16:creationId xmlns="" xmlns:a16="http://schemas.microsoft.com/office/drawing/2014/main" id="{8795C1DD-1F3C-4816-AAC8-C0E0EAEA9F7F}"/>
+                <a16:creationId xmlns:a16="http://schemas.microsoft.com/office/drawing/2014/main" xmlns="" id="{8795C1DD-1F3C-4816-AAC8-C0E0EAEA9F7F}"/>
               </a:ext>
             </a:extLst>
           </p:cNvPr>
@@ -11046,7 +11506,7 @@
           <p:cNvPr id="14" name="TextBox 13">
             <a:extLst>
               <a:ext uri="{FF2B5EF4-FFF2-40B4-BE49-F238E27FC236}">
-                <a16:creationId xmlns="" xmlns:a16="http://schemas.microsoft.com/office/drawing/2014/main" id="{AE6FAC2E-2879-412D-973D-9AB05084879A}"/>
+                <a16:creationId xmlns:a16="http://schemas.microsoft.com/office/drawing/2014/main" xmlns="" id="{AE6FAC2E-2879-412D-973D-9AB05084879A}"/>
               </a:ext>
             </a:extLst>
           </p:cNvPr>
@@ -11108,7 +11568,7 @@
           <p:cNvPr id="64" name="직선 연결선 63">
             <a:extLst>
               <a:ext uri="{FF2B5EF4-FFF2-40B4-BE49-F238E27FC236}">
-                <a16:creationId xmlns="" xmlns:a16="http://schemas.microsoft.com/office/drawing/2014/main" id="{EF1D20F2-F483-4FF0-8EC2-CA3436A246F5}"/>
+                <a16:creationId xmlns:a16="http://schemas.microsoft.com/office/drawing/2014/main" xmlns="" id="{EF1D20F2-F483-4FF0-8EC2-CA3436A246F5}"/>
               </a:ext>
             </a:extLst>
           </p:cNvPr>
@@ -11151,7 +11611,7 @@
           <p:cNvPr id="65" name="TextBox 64">
             <a:extLst>
               <a:ext uri="{FF2B5EF4-FFF2-40B4-BE49-F238E27FC236}">
-                <a16:creationId xmlns="" xmlns:a16="http://schemas.microsoft.com/office/drawing/2014/main" id="{9A0486C3-93C6-4276-B4B2-259291298137}"/>
+                <a16:creationId xmlns:a16="http://schemas.microsoft.com/office/drawing/2014/main" xmlns="" id="{9A0486C3-93C6-4276-B4B2-259291298137}"/>
               </a:ext>
             </a:extLst>
           </p:cNvPr>
@@ -11253,7 +11713,7 @@
             <p:cNvPr id="2" name="직사각형 1">
               <a:extLst>
                 <a:ext uri="{FF2B5EF4-FFF2-40B4-BE49-F238E27FC236}">
-                  <a16:creationId xmlns="" xmlns:a16="http://schemas.microsoft.com/office/drawing/2014/main" id="{3ECA1621-79EF-472A-B728-E404BF2CFC34}"/>
+                  <a16:creationId xmlns:a16="http://schemas.microsoft.com/office/drawing/2014/main" xmlns="" id="{3ECA1621-79EF-472A-B728-E404BF2CFC34}"/>
                 </a:ext>
               </a:extLst>
             </p:cNvPr>
@@ -11305,7 +11765,7 @@
             <p:cNvPr id="55" name="직사각형 54">
               <a:extLst>
                 <a:ext uri="{FF2B5EF4-FFF2-40B4-BE49-F238E27FC236}">
-                  <a16:creationId xmlns="" xmlns:a16="http://schemas.microsoft.com/office/drawing/2014/main" id="{0FC26E3A-67E6-45A0-B9B1-F87FB7808E5C}"/>
+                  <a16:creationId xmlns:a16="http://schemas.microsoft.com/office/drawing/2014/main" xmlns="" id="{0FC26E3A-67E6-45A0-B9B1-F87FB7808E5C}"/>
                 </a:ext>
               </a:extLst>
             </p:cNvPr>
@@ -11369,7 +11829,7 @@
           <p:cNvPr id="89" name="직사각형 88">
             <a:extLst>
               <a:ext uri="{FF2B5EF4-FFF2-40B4-BE49-F238E27FC236}">
-                <a16:creationId xmlns="" xmlns:a16="http://schemas.microsoft.com/office/drawing/2014/main" id="{B27D5D01-E24E-4692-9756-CFEC9F35DF6D}"/>
+                <a16:creationId xmlns:a16="http://schemas.microsoft.com/office/drawing/2014/main" xmlns="" id="{B27D5D01-E24E-4692-9756-CFEC9F35DF6D}"/>
               </a:ext>
             </a:extLst>
           </p:cNvPr>
@@ -11445,7 +11905,7 @@
           <p:cNvPr id="23" name="TextBox 22">
             <a:extLst>
               <a:ext uri="{FF2B5EF4-FFF2-40B4-BE49-F238E27FC236}">
-                <a16:creationId xmlns="" xmlns:a16="http://schemas.microsoft.com/office/drawing/2014/main" id="{DC0FBA52-AFB7-4051-88A4-2070DAB9F37B}"/>
+                <a16:creationId xmlns:a16="http://schemas.microsoft.com/office/drawing/2014/main" xmlns="" id="{DC0FBA52-AFB7-4051-88A4-2070DAB9F37B}"/>
               </a:ext>
             </a:extLst>
           </p:cNvPr>
@@ -11568,7 +12028,7 @@
             <p:cNvPr id="127" name="직사각형 1">
               <a:extLst>
                 <a:ext uri="{FF2B5EF4-FFF2-40B4-BE49-F238E27FC236}">
-                  <a16:creationId xmlns="" xmlns:a16="http://schemas.microsoft.com/office/drawing/2014/main" id="{3ECA1621-79EF-472A-B728-E404BF2CFC34}"/>
+                  <a16:creationId xmlns:a16="http://schemas.microsoft.com/office/drawing/2014/main" xmlns="" id="{3ECA1621-79EF-472A-B728-E404BF2CFC34}"/>
                 </a:ext>
               </a:extLst>
             </p:cNvPr>
@@ -11620,7 +12080,7 @@
             <p:cNvPr id="128" name="직사각형 54">
               <a:extLst>
                 <a:ext uri="{FF2B5EF4-FFF2-40B4-BE49-F238E27FC236}">
-                  <a16:creationId xmlns="" xmlns:a16="http://schemas.microsoft.com/office/drawing/2014/main" id="{0FC26E3A-67E6-45A0-B9B1-F87FB7808E5C}"/>
+                  <a16:creationId xmlns:a16="http://schemas.microsoft.com/office/drawing/2014/main" xmlns="" id="{0FC26E3A-67E6-45A0-B9B1-F87FB7808E5C}"/>
                 </a:ext>
               </a:extLst>
             </p:cNvPr>
@@ -11684,7 +12144,7 @@
           <p:cNvPr id="129" name="직사각형 128">
             <a:extLst>
               <a:ext uri="{FF2B5EF4-FFF2-40B4-BE49-F238E27FC236}">
-                <a16:creationId xmlns="" xmlns:a16="http://schemas.microsoft.com/office/drawing/2014/main" id="{B27D5D01-E24E-4692-9756-CFEC9F35DF6D}"/>
+                <a16:creationId xmlns:a16="http://schemas.microsoft.com/office/drawing/2014/main" xmlns="" id="{B27D5D01-E24E-4692-9756-CFEC9F35DF6D}"/>
               </a:ext>
             </a:extLst>
           </p:cNvPr>
@@ -11760,7 +12220,7 @@
           <p:cNvPr id="130" name="TextBox 129">
             <a:extLst>
               <a:ext uri="{FF2B5EF4-FFF2-40B4-BE49-F238E27FC236}">
-                <a16:creationId xmlns="" xmlns:a16="http://schemas.microsoft.com/office/drawing/2014/main" id="{DC0FBA52-AFB7-4051-88A4-2070DAB9F37B}"/>
+                <a16:creationId xmlns:a16="http://schemas.microsoft.com/office/drawing/2014/main" xmlns="" id="{DC0FBA52-AFB7-4051-88A4-2070DAB9F37B}"/>
               </a:ext>
             </a:extLst>
           </p:cNvPr>
@@ -11843,7 +12303,7 @@
             <p:cNvPr id="132" name="직사각형 1">
               <a:extLst>
                 <a:ext uri="{FF2B5EF4-FFF2-40B4-BE49-F238E27FC236}">
-                  <a16:creationId xmlns="" xmlns:a16="http://schemas.microsoft.com/office/drawing/2014/main" id="{3ECA1621-79EF-472A-B728-E404BF2CFC34}"/>
+                  <a16:creationId xmlns:a16="http://schemas.microsoft.com/office/drawing/2014/main" xmlns="" id="{3ECA1621-79EF-472A-B728-E404BF2CFC34}"/>
                 </a:ext>
               </a:extLst>
             </p:cNvPr>
@@ -11895,7 +12355,7 @@
             <p:cNvPr id="133" name="직사각형 54">
               <a:extLst>
                 <a:ext uri="{FF2B5EF4-FFF2-40B4-BE49-F238E27FC236}">
-                  <a16:creationId xmlns="" xmlns:a16="http://schemas.microsoft.com/office/drawing/2014/main" id="{0FC26E3A-67E6-45A0-B9B1-F87FB7808E5C}"/>
+                  <a16:creationId xmlns:a16="http://schemas.microsoft.com/office/drawing/2014/main" xmlns="" id="{0FC26E3A-67E6-45A0-B9B1-F87FB7808E5C}"/>
                 </a:ext>
               </a:extLst>
             </p:cNvPr>
@@ -11959,7 +12419,7 @@
           <p:cNvPr id="134" name="직사각형 133">
             <a:extLst>
               <a:ext uri="{FF2B5EF4-FFF2-40B4-BE49-F238E27FC236}">
-                <a16:creationId xmlns="" xmlns:a16="http://schemas.microsoft.com/office/drawing/2014/main" id="{B27D5D01-E24E-4692-9756-CFEC9F35DF6D}"/>
+                <a16:creationId xmlns:a16="http://schemas.microsoft.com/office/drawing/2014/main" xmlns="" id="{B27D5D01-E24E-4692-9756-CFEC9F35DF6D}"/>
               </a:ext>
             </a:extLst>
           </p:cNvPr>
@@ -12035,7 +12495,7 @@
           <p:cNvPr id="135" name="TextBox 134">
             <a:extLst>
               <a:ext uri="{FF2B5EF4-FFF2-40B4-BE49-F238E27FC236}">
-                <a16:creationId xmlns="" xmlns:a16="http://schemas.microsoft.com/office/drawing/2014/main" id="{DC0FBA52-AFB7-4051-88A4-2070DAB9F37B}"/>
+                <a16:creationId xmlns:a16="http://schemas.microsoft.com/office/drawing/2014/main" xmlns="" id="{DC0FBA52-AFB7-4051-88A4-2070DAB9F37B}"/>
               </a:ext>
             </a:extLst>
           </p:cNvPr>
@@ -12138,7 +12598,7 @@
             <p:cNvPr id="149" name="직사각형 1">
               <a:extLst>
                 <a:ext uri="{FF2B5EF4-FFF2-40B4-BE49-F238E27FC236}">
-                  <a16:creationId xmlns="" xmlns:a16="http://schemas.microsoft.com/office/drawing/2014/main" id="{3ECA1621-79EF-472A-B728-E404BF2CFC34}"/>
+                  <a16:creationId xmlns:a16="http://schemas.microsoft.com/office/drawing/2014/main" xmlns="" id="{3ECA1621-79EF-472A-B728-E404BF2CFC34}"/>
                 </a:ext>
               </a:extLst>
             </p:cNvPr>
@@ -12190,7 +12650,7 @@
             <p:cNvPr id="150" name="직사각형 54">
               <a:extLst>
                 <a:ext uri="{FF2B5EF4-FFF2-40B4-BE49-F238E27FC236}">
-                  <a16:creationId xmlns="" xmlns:a16="http://schemas.microsoft.com/office/drawing/2014/main" id="{0FC26E3A-67E6-45A0-B9B1-F87FB7808E5C}"/>
+                  <a16:creationId xmlns:a16="http://schemas.microsoft.com/office/drawing/2014/main" xmlns="" id="{0FC26E3A-67E6-45A0-B9B1-F87FB7808E5C}"/>
                 </a:ext>
               </a:extLst>
             </p:cNvPr>
@@ -12254,7 +12714,7 @@
           <p:cNvPr id="151" name="직사각형 150">
             <a:extLst>
               <a:ext uri="{FF2B5EF4-FFF2-40B4-BE49-F238E27FC236}">
-                <a16:creationId xmlns="" xmlns:a16="http://schemas.microsoft.com/office/drawing/2014/main" id="{B27D5D01-E24E-4692-9756-CFEC9F35DF6D}"/>
+                <a16:creationId xmlns:a16="http://schemas.microsoft.com/office/drawing/2014/main" xmlns="" id="{B27D5D01-E24E-4692-9756-CFEC9F35DF6D}"/>
               </a:ext>
             </a:extLst>
           </p:cNvPr>
@@ -12313,17 +12773,7 @@
                   </a:schemeClr>
                 </a:solidFill>
               </a:rPr>
-              <a:t> </a:t>
-            </a:r>
-            <a:r>
-              <a:rPr lang="en-US" altLang="ko-KR" b="1" dirty="0" smtClean="0">
-                <a:solidFill>
-                  <a:schemeClr val="tx2">
-                    <a:lumMod val="75000"/>
-                  </a:schemeClr>
-                </a:solidFill>
-              </a:rPr>
-              <a:t>·</a:t>
+              <a:t> ·</a:t>
             </a:r>
             <a:endParaRPr lang="ko-KR" altLang="en-US" dirty="0">
               <a:solidFill>
@@ -12340,7 +12790,7 @@
           <p:cNvPr id="152" name="TextBox 151">
             <a:extLst>
               <a:ext uri="{FF2B5EF4-FFF2-40B4-BE49-F238E27FC236}">
-                <a16:creationId xmlns="" xmlns:a16="http://schemas.microsoft.com/office/drawing/2014/main" id="{DC0FBA52-AFB7-4051-88A4-2070DAB9F37B}"/>
+                <a16:creationId xmlns:a16="http://schemas.microsoft.com/office/drawing/2014/main" xmlns="" id="{DC0FBA52-AFB7-4051-88A4-2070DAB9F37B}"/>
               </a:ext>
             </a:extLst>
           </p:cNvPr>
@@ -12464,7 +12914,7 @@
           <p:cNvPr id="153" name="TextBox 152">
             <a:extLst>
               <a:ext uri="{FF2B5EF4-FFF2-40B4-BE49-F238E27FC236}">
-                <a16:creationId xmlns="" xmlns:a16="http://schemas.microsoft.com/office/drawing/2014/main" id="{8E807B52-AA8E-46B3-B325-6CD94F8E69E5}"/>
+                <a16:creationId xmlns:a16="http://schemas.microsoft.com/office/drawing/2014/main" xmlns="" id="{8E807B52-AA8E-46B3-B325-6CD94F8E69E5}"/>
               </a:ext>
             </a:extLst>
           </p:cNvPr>
@@ -12541,7 +12991,7 @@
             <p:cNvPr id="53" name="직사각형 1">
               <a:extLst>
                 <a:ext uri="{FF2B5EF4-FFF2-40B4-BE49-F238E27FC236}">
-                  <a16:creationId xmlns="" xmlns:a16="http://schemas.microsoft.com/office/drawing/2014/main" id="{3ECA1621-79EF-472A-B728-E404BF2CFC34}"/>
+                  <a16:creationId xmlns:a16="http://schemas.microsoft.com/office/drawing/2014/main" xmlns="" id="{3ECA1621-79EF-472A-B728-E404BF2CFC34}"/>
                 </a:ext>
               </a:extLst>
             </p:cNvPr>
@@ -12593,7 +13043,7 @@
             <p:cNvPr id="54" name="직사각형 54">
               <a:extLst>
                 <a:ext uri="{FF2B5EF4-FFF2-40B4-BE49-F238E27FC236}">
-                  <a16:creationId xmlns="" xmlns:a16="http://schemas.microsoft.com/office/drawing/2014/main" id="{0FC26E3A-67E6-45A0-B9B1-F87FB7808E5C}"/>
+                  <a16:creationId xmlns:a16="http://schemas.microsoft.com/office/drawing/2014/main" xmlns="" id="{0FC26E3A-67E6-45A0-B9B1-F87FB7808E5C}"/>
                 </a:ext>
               </a:extLst>
             </p:cNvPr>
@@ -12657,7 +13107,7 @@
           <p:cNvPr id="56" name="직사각형 55">
             <a:extLst>
               <a:ext uri="{FF2B5EF4-FFF2-40B4-BE49-F238E27FC236}">
-                <a16:creationId xmlns="" xmlns:a16="http://schemas.microsoft.com/office/drawing/2014/main" id="{B27D5D01-E24E-4692-9756-CFEC9F35DF6D}"/>
+                <a16:creationId xmlns:a16="http://schemas.microsoft.com/office/drawing/2014/main" xmlns="" id="{B27D5D01-E24E-4692-9756-CFEC9F35DF6D}"/>
               </a:ext>
             </a:extLst>
           </p:cNvPr>
@@ -12733,7 +13183,7 @@
           <p:cNvPr id="57" name="TextBox 56">
             <a:extLst>
               <a:ext uri="{FF2B5EF4-FFF2-40B4-BE49-F238E27FC236}">
-                <a16:creationId xmlns="" xmlns:a16="http://schemas.microsoft.com/office/drawing/2014/main" id="{DC0FBA52-AFB7-4051-88A4-2070DAB9F37B}"/>
+                <a16:creationId xmlns:a16="http://schemas.microsoft.com/office/drawing/2014/main" xmlns="" id="{DC0FBA52-AFB7-4051-88A4-2070DAB9F37B}"/>
               </a:ext>
             </a:extLst>
           </p:cNvPr>
@@ -13009,7 +13459,7 @@
           <p:cNvPr id="7" name="직사각형 1">
             <a:extLst>
               <a:ext uri="{FF2B5EF4-FFF2-40B4-BE49-F238E27FC236}">
-                <a16:creationId xmlns="" xmlns:a16="http://schemas.microsoft.com/office/drawing/2014/main" id="{74644E85-506A-4BE8-9737-4F3C941D75A4}"/>
+                <a16:creationId xmlns:a16="http://schemas.microsoft.com/office/drawing/2014/main" xmlns="" id="{74644E85-506A-4BE8-9737-4F3C941D75A4}"/>
               </a:ext>
             </a:extLst>
           </p:cNvPr>
@@ -13130,7 +13580,7 @@
           <p:cNvPr id="8" name="TextBox 7">
             <a:extLst>
               <a:ext uri="{FF2B5EF4-FFF2-40B4-BE49-F238E27FC236}">
-                <a16:creationId xmlns="" xmlns:a16="http://schemas.microsoft.com/office/drawing/2014/main" id="{C5E2F016-309C-4BF1-8439-49C1FA3A4C5D}"/>
+                <a16:creationId xmlns:a16="http://schemas.microsoft.com/office/drawing/2014/main" xmlns="" id="{C5E2F016-309C-4BF1-8439-49C1FA3A4C5D}"/>
               </a:ext>
             </a:extLst>
           </p:cNvPr>
@@ -13195,7 +13645,7 @@
           <p:cNvPr id="9" name="TextBox 8">
             <a:extLst>
               <a:ext uri="{FF2B5EF4-FFF2-40B4-BE49-F238E27FC236}">
-                <a16:creationId xmlns="" xmlns:a16="http://schemas.microsoft.com/office/drawing/2014/main" id="{EA0607E1-F30D-461F-B0AB-13D36E43CC06}"/>
+                <a16:creationId xmlns:a16="http://schemas.microsoft.com/office/drawing/2014/main" xmlns="" id="{EA0607E1-F30D-461F-B0AB-13D36E43CC06}"/>
               </a:ext>
             </a:extLst>
           </p:cNvPr>
@@ -13262,7 +13712,7 @@
           <p:cNvPr id="10" name="TextBox 9">
             <a:extLst>
               <a:ext uri="{FF2B5EF4-FFF2-40B4-BE49-F238E27FC236}">
-                <a16:creationId xmlns="" xmlns:a16="http://schemas.microsoft.com/office/drawing/2014/main" id="{EFF257A9-A886-4BE5-873D-90FA5223708E}"/>
+                <a16:creationId xmlns:a16="http://schemas.microsoft.com/office/drawing/2014/main" xmlns="" id="{EFF257A9-A886-4BE5-873D-90FA5223708E}"/>
               </a:ext>
             </a:extLst>
           </p:cNvPr>
@@ -13318,7 +13768,7 @@
           <p:cNvPr id="11" name="TextBox 10">
             <a:extLst>
               <a:ext uri="{FF2B5EF4-FFF2-40B4-BE49-F238E27FC236}">
-                <a16:creationId xmlns="" xmlns:a16="http://schemas.microsoft.com/office/drawing/2014/main" id="{9DF74FCB-CD6F-4A1D-9BE0-13B72F632EAD}"/>
+                <a16:creationId xmlns:a16="http://schemas.microsoft.com/office/drawing/2014/main" xmlns="" id="{9DF74FCB-CD6F-4A1D-9BE0-13B72F632EAD}"/>
               </a:ext>
             </a:extLst>
           </p:cNvPr>
@@ -13374,7 +13824,7 @@
           <p:cNvPr id="12" name="그래픽 11">
             <a:extLst>
               <a:ext uri="{FF2B5EF4-FFF2-40B4-BE49-F238E27FC236}">
-                <a16:creationId xmlns="" xmlns:a16="http://schemas.microsoft.com/office/drawing/2014/main" id="{484E095B-30C8-4809-9676-D4D6775583A4}"/>
+                <a16:creationId xmlns:a16="http://schemas.microsoft.com/office/drawing/2014/main" xmlns="" id="{484E095B-30C8-4809-9676-D4D6775583A4}"/>
               </a:ext>
             </a:extLst>
           </p:cNvPr>
@@ -13390,7 +13840,7 @@
                 <a14:useLocalDpi xmlns:a14="http://schemas.microsoft.com/office/drawing/2010/main" val="0"/>
               </a:ext>
               <a:ext uri="{96DAC541-7B7A-43D3-8B79-37D633B846F1}">
-                <asvg:svgBlip xmlns="" xmlns:asvg="http://schemas.microsoft.com/office/drawing/2016/SVG/main" r:embed="rId3"/>
+                <asvg:svgBlip xmlns:asvg="http://schemas.microsoft.com/office/drawing/2016/SVG/main" xmlns="" r:embed="rId3"/>
               </a:ext>
             </a:extLst>
           </a:blip>
@@ -13413,7 +13863,7 @@
           <p:cNvPr id="13" name="그래픽 12">
             <a:extLst>
               <a:ext uri="{FF2B5EF4-FFF2-40B4-BE49-F238E27FC236}">
-                <a16:creationId xmlns="" xmlns:a16="http://schemas.microsoft.com/office/drawing/2014/main" id="{101F1E61-068D-4035-8B06-C23FA059675A}"/>
+                <a16:creationId xmlns:a16="http://schemas.microsoft.com/office/drawing/2014/main" xmlns="" id="{101F1E61-068D-4035-8B06-C23FA059675A}"/>
               </a:ext>
             </a:extLst>
           </p:cNvPr>
@@ -13429,7 +13879,7 @@
                 <a14:useLocalDpi xmlns:a14="http://schemas.microsoft.com/office/drawing/2010/main" val="0"/>
               </a:ext>
               <a:ext uri="{96DAC541-7B7A-43D3-8B79-37D633B846F1}">
-                <asvg:svgBlip xmlns="" xmlns:asvg="http://schemas.microsoft.com/office/drawing/2016/SVG/main" r:embed="rId5"/>
+                <asvg:svgBlip xmlns:asvg="http://schemas.microsoft.com/office/drawing/2016/SVG/main" xmlns="" r:embed="rId5"/>
               </a:ext>
             </a:extLst>
           </a:blip>
@@ -13452,7 +13902,7 @@
           <p:cNvPr id="2" name="그림 1">
             <a:extLst>
               <a:ext uri="{FF2B5EF4-FFF2-40B4-BE49-F238E27FC236}">
-                <a16:creationId xmlns="" xmlns:a16="http://schemas.microsoft.com/office/drawing/2014/main" id="{E9E9A65F-1E3B-4776-85DB-0D0CA7012F0F}"/>
+                <a16:creationId xmlns:a16="http://schemas.microsoft.com/office/drawing/2014/main" xmlns="" id="{E9E9A65F-1E3B-4776-85DB-0D0CA7012F0F}"/>
               </a:ext>
             </a:extLst>
           </p:cNvPr>
@@ -13496,7 +13946,7 @@
           <p:cNvPr id="59" name="자유형: 도형 58">
             <a:extLst>
               <a:ext uri="{FF2B5EF4-FFF2-40B4-BE49-F238E27FC236}">
-                <a16:creationId xmlns="" xmlns:a16="http://schemas.microsoft.com/office/drawing/2014/main" id="{8171B0F4-B018-42E3-901A-C251EC1ECF7A}"/>
+                <a16:creationId xmlns:a16="http://schemas.microsoft.com/office/drawing/2014/main" xmlns="" id="{8171B0F4-B018-42E3-901A-C251EC1ECF7A}"/>
               </a:ext>
             </a:extLst>
           </p:cNvPr>
@@ -13649,7 +14099,7 @@
           <p:cNvPr id="60" name="자유형: 도형 59">
             <a:extLst>
               <a:ext uri="{FF2B5EF4-FFF2-40B4-BE49-F238E27FC236}">
-                <a16:creationId xmlns="" xmlns:a16="http://schemas.microsoft.com/office/drawing/2014/main" id="{35051210-0F7C-44C8-9F69-2523C681346A}"/>
+                <a16:creationId xmlns:a16="http://schemas.microsoft.com/office/drawing/2014/main" xmlns="" id="{35051210-0F7C-44C8-9F69-2523C681346A}"/>
               </a:ext>
             </a:extLst>
           </p:cNvPr>
@@ -13776,7 +14226,7 @@
           <p:cNvPr id="16" name="사각형: 둥근 모서리 15">
             <a:extLst>
               <a:ext uri="{FF2B5EF4-FFF2-40B4-BE49-F238E27FC236}">
-                <a16:creationId xmlns="" xmlns:a16="http://schemas.microsoft.com/office/drawing/2014/main" id="{57AA78E4-6E00-4DD6-B973-670314573D04}"/>
+                <a16:creationId xmlns:a16="http://schemas.microsoft.com/office/drawing/2014/main" xmlns="" id="{57AA78E4-6E00-4DD6-B973-670314573D04}"/>
               </a:ext>
             </a:extLst>
           </p:cNvPr>
@@ -13830,7 +14280,7 @@
           <p:cNvPr id="61" name="자유형: 도형 60">
             <a:extLst>
               <a:ext uri="{FF2B5EF4-FFF2-40B4-BE49-F238E27FC236}">
-                <a16:creationId xmlns="" xmlns:a16="http://schemas.microsoft.com/office/drawing/2014/main" id="{CBF0C0CC-5D5E-4CA2-BD00-3086B07A7A59}"/>
+                <a16:creationId xmlns:a16="http://schemas.microsoft.com/office/drawing/2014/main" xmlns="" id="{CBF0C0CC-5D5E-4CA2-BD00-3086B07A7A59}"/>
               </a:ext>
             </a:extLst>
           </p:cNvPr>
@@ -13960,7 +14410,7 @@
           <p:cNvPr id="19" name="TextBox 18">
             <a:extLst>
               <a:ext uri="{FF2B5EF4-FFF2-40B4-BE49-F238E27FC236}">
-                <a16:creationId xmlns="" xmlns:a16="http://schemas.microsoft.com/office/drawing/2014/main" id="{94D2DA90-552F-481A-BCF2-0BD450E64E4E}"/>
+                <a16:creationId xmlns:a16="http://schemas.microsoft.com/office/drawing/2014/main" xmlns="" id="{94D2DA90-552F-481A-BCF2-0BD450E64E4E}"/>
               </a:ext>
             </a:extLst>
           </p:cNvPr>
@@ -14023,7 +14473,7 @@
           <p:cNvPr id="20" name="TextBox 19">
             <a:extLst>
               <a:ext uri="{FF2B5EF4-FFF2-40B4-BE49-F238E27FC236}">
-                <a16:creationId xmlns="" xmlns:a16="http://schemas.microsoft.com/office/drawing/2014/main" id="{84B450B6-B1C5-4D95-8E05-4A202B33ED2A}"/>
+                <a16:creationId xmlns:a16="http://schemas.microsoft.com/office/drawing/2014/main" xmlns="" id="{84B450B6-B1C5-4D95-8E05-4A202B33ED2A}"/>
               </a:ext>
             </a:extLst>
           </p:cNvPr>
@@ -14120,7 +14570,7 @@
           <p:cNvPr id="21" name="TextBox 20">
             <a:extLst>
               <a:ext uri="{FF2B5EF4-FFF2-40B4-BE49-F238E27FC236}">
-                <a16:creationId xmlns="" xmlns:a16="http://schemas.microsoft.com/office/drawing/2014/main" id="{55E4AB53-D3AE-43CC-997F-64ADE41184E5}"/>
+                <a16:creationId xmlns:a16="http://schemas.microsoft.com/office/drawing/2014/main" xmlns="" id="{55E4AB53-D3AE-43CC-997F-64ADE41184E5}"/>
               </a:ext>
             </a:extLst>
           </p:cNvPr>
@@ -14185,7 +14635,7 @@
           <p:cNvPr id="22" name="직사각형 21">
             <a:extLst>
               <a:ext uri="{FF2B5EF4-FFF2-40B4-BE49-F238E27FC236}">
-                <a16:creationId xmlns="" xmlns:a16="http://schemas.microsoft.com/office/drawing/2014/main" id="{ED4C8539-5884-4BD8-AB2D-6E87D13E0DBF}"/>
+                <a16:creationId xmlns:a16="http://schemas.microsoft.com/office/drawing/2014/main" xmlns="" id="{ED4C8539-5884-4BD8-AB2D-6E87D13E0DBF}"/>
               </a:ext>
             </a:extLst>
           </p:cNvPr>
@@ -14237,7 +14687,7 @@
           <p:cNvPr id="25" name="직선 연결선 24">
             <a:extLst>
               <a:ext uri="{FF2B5EF4-FFF2-40B4-BE49-F238E27FC236}">
-                <a16:creationId xmlns="" xmlns:a16="http://schemas.microsoft.com/office/drawing/2014/main" id="{C18152DB-F485-48D3-9BD8-C3A94A867EA6}"/>
+                <a16:creationId xmlns:a16="http://schemas.microsoft.com/office/drawing/2014/main" xmlns="" id="{C18152DB-F485-48D3-9BD8-C3A94A867EA6}"/>
               </a:ext>
             </a:extLst>
           </p:cNvPr>
@@ -14278,7 +14728,7 @@
           <p:cNvPr id="26" name="TextBox 25">
             <a:extLst>
               <a:ext uri="{FF2B5EF4-FFF2-40B4-BE49-F238E27FC236}">
-                <a16:creationId xmlns="" xmlns:a16="http://schemas.microsoft.com/office/drawing/2014/main" id="{A86BA5A3-5005-4DF5-81C6-1242C90F7134}"/>
+                <a16:creationId xmlns:a16="http://schemas.microsoft.com/office/drawing/2014/main" xmlns="" id="{A86BA5A3-5005-4DF5-81C6-1242C90F7134}"/>
               </a:ext>
             </a:extLst>
           </p:cNvPr>
@@ -14358,7 +14808,7 @@
           <p:cNvPr id="28" name="Group 29">
             <a:extLst>
               <a:ext uri="{FF2B5EF4-FFF2-40B4-BE49-F238E27FC236}">
-                <a16:creationId xmlns="" xmlns:a16="http://schemas.microsoft.com/office/drawing/2014/main" id="{5411C7D3-F3C9-4EF4-A567-32168154A3AD}"/>
+                <a16:creationId xmlns:a16="http://schemas.microsoft.com/office/drawing/2014/main" xmlns="" id="{5411C7D3-F3C9-4EF4-A567-32168154A3AD}"/>
               </a:ext>
             </a:extLst>
           </p:cNvPr>
@@ -14383,7 +14833,7 @@
             <p:cNvPr id="29" name="Freeform 30">
               <a:extLst>
                 <a:ext uri="{FF2B5EF4-FFF2-40B4-BE49-F238E27FC236}">
-                  <a16:creationId xmlns="" xmlns:a16="http://schemas.microsoft.com/office/drawing/2014/main" id="{7BE466E0-CB2D-4A47-841B-DE07416AA843}"/>
+                  <a16:creationId xmlns:a16="http://schemas.microsoft.com/office/drawing/2014/main" xmlns="" id="{7BE466E0-CB2D-4A47-841B-DE07416AA843}"/>
                 </a:ext>
               </a:extLst>
             </p:cNvPr>
@@ -14564,7 +15014,7 @@
             <p:cNvPr id="30" name="Freeform 31">
               <a:extLst>
                 <a:ext uri="{FF2B5EF4-FFF2-40B4-BE49-F238E27FC236}">
-                  <a16:creationId xmlns="" xmlns:a16="http://schemas.microsoft.com/office/drawing/2014/main" id="{35C96458-90D7-4378-8993-37904DB94D44}"/>
+                  <a16:creationId xmlns:a16="http://schemas.microsoft.com/office/drawing/2014/main" xmlns="" id="{35C96458-90D7-4378-8993-37904DB94D44}"/>
                 </a:ext>
               </a:extLst>
             </p:cNvPr>
@@ -14704,7 +15154,7 @@
             <p:cNvPr id="31" name="Freeform 32">
               <a:extLst>
                 <a:ext uri="{FF2B5EF4-FFF2-40B4-BE49-F238E27FC236}">
-                  <a16:creationId xmlns="" xmlns:a16="http://schemas.microsoft.com/office/drawing/2014/main" id="{6895EF18-0F33-4013-A1D5-F0277CB8CE76}"/>
+                  <a16:creationId xmlns:a16="http://schemas.microsoft.com/office/drawing/2014/main" xmlns="" id="{6895EF18-0F33-4013-A1D5-F0277CB8CE76}"/>
                 </a:ext>
               </a:extLst>
             </p:cNvPr>
@@ -14885,7 +15335,7 @@
             <p:cNvPr id="32" name="Freeform 33">
               <a:extLst>
                 <a:ext uri="{FF2B5EF4-FFF2-40B4-BE49-F238E27FC236}">
-                  <a16:creationId xmlns="" xmlns:a16="http://schemas.microsoft.com/office/drawing/2014/main" id="{40F960FF-6BA0-4943-A4EC-85DC9F23FDF4}"/>
+                  <a16:creationId xmlns:a16="http://schemas.microsoft.com/office/drawing/2014/main" xmlns="" id="{40F960FF-6BA0-4943-A4EC-85DC9F23FDF4}"/>
                 </a:ext>
               </a:extLst>
             </p:cNvPr>
@@ -15042,7 +15492,7 @@
             <p:cNvPr id="33" name="Freeform 34">
               <a:extLst>
                 <a:ext uri="{FF2B5EF4-FFF2-40B4-BE49-F238E27FC236}">
-                  <a16:creationId xmlns="" xmlns:a16="http://schemas.microsoft.com/office/drawing/2014/main" id="{7ED47283-81FA-42AD-AA21-01AED5130289}"/>
+                  <a16:creationId xmlns:a16="http://schemas.microsoft.com/office/drawing/2014/main" xmlns="" id="{7ED47283-81FA-42AD-AA21-01AED5130289}"/>
                 </a:ext>
               </a:extLst>
             </p:cNvPr>
@@ -15359,7 +15809,7 @@
             <p:cNvPr id="34" name="Freeform 35">
               <a:extLst>
                 <a:ext uri="{FF2B5EF4-FFF2-40B4-BE49-F238E27FC236}">
-                  <a16:creationId xmlns="" xmlns:a16="http://schemas.microsoft.com/office/drawing/2014/main" id="{0DEE8C17-633C-48F4-B4C7-B984A0D6B44B}"/>
+                  <a16:creationId xmlns:a16="http://schemas.microsoft.com/office/drawing/2014/main" xmlns="" id="{0DEE8C17-633C-48F4-B4C7-B984A0D6B44B}"/>
                 </a:ext>
               </a:extLst>
             </p:cNvPr>
@@ -15772,7 +16222,7 @@
             <p:cNvPr id="35" name="Freeform 36">
               <a:extLst>
                 <a:ext uri="{FF2B5EF4-FFF2-40B4-BE49-F238E27FC236}">
-                  <a16:creationId xmlns="" xmlns:a16="http://schemas.microsoft.com/office/drawing/2014/main" id="{66301120-F5C7-4713-97CE-1B80FF28A688}"/>
+                  <a16:creationId xmlns:a16="http://schemas.microsoft.com/office/drawing/2014/main" xmlns="" id="{66301120-F5C7-4713-97CE-1B80FF28A688}"/>
                 </a:ext>
               </a:extLst>
             </p:cNvPr>
@@ -15944,7 +16394,7 @@
             <p:cNvPr id="36" name="Freeform 37">
               <a:extLst>
                 <a:ext uri="{FF2B5EF4-FFF2-40B4-BE49-F238E27FC236}">
-                  <a16:creationId xmlns="" xmlns:a16="http://schemas.microsoft.com/office/drawing/2014/main" id="{AA4F05BC-AE98-43B3-AC42-5A507B4D8D67}"/>
+                  <a16:creationId xmlns:a16="http://schemas.microsoft.com/office/drawing/2014/main" xmlns="" id="{AA4F05BC-AE98-43B3-AC42-5A507B4D8D67}"/>
                 </a:ext>
               </a:extLst>
             </p:cNvPr>
@@ -16108,7 +16558,7 @@
             <p:cNvPr id="37" name="Freeform 38">
               <a:extLst>
                 <a:ext uri="{FF2B5EF4-FFF2-40B4-BE49-F238E27FC236}">
-                  <a16:creationId xmlns="" xmlns:a16="http://schemas.microsoft.com/office/drawing/2014/main" id="{236C0279-55B9-488A-BC81-0E80A37FCBC1}"/>
+                  <a16:creationId xmlns:a16="http://schemas.microsoft.com/office/drawing/2014/main" xmlns="" id="{236C0279-55B9-488A-BC81-0E80A37FCBC1}"/>
                 </a:ext>
               </a:extLst>
             </p:cNvPr>
@@ -16457,7 +16907,7 @@
             <p:cNvPr id="38" name="Freeform 39">
               <a:extLst>
                 <a:ext uri="{FF2B5EF4-FFF2-40B4-BE49-F238E27FC236}">
-                  <a16:creationId xmlns="" xmlns:a16="http://schemas.microsoft.com/office/drawing/2014/main" id="{8F0FA1B8-A542-4DC9-A5A3-D09AE56FD3A3}"/>
+                  <a16:creationId xmlns:a16="http://schemas.microsoft.com/office/drawing/2014/main" xmlns="" id="{8F0FA1B8-A542-4DC9-A5A3-D09AE56FD3A3}"/>
                 </a:ext>
               </a:extLst>
             </p:cNvPr>
@@ -16774,7 +17224,7 @@
             <p:cNvPr id="39" name="Freeform 40">
               <a:extLst>
                 <a:ext uri="{FF2B5EF4-FFF2-40B4-BE49-F238E27FC236}">
-                  <a16:creationId xmlns="" xmlns:a16="http://schemas.microsoft.com/office/drawing/2014/main" id="{CD8C3136-B8B8-4E52-B8F9-24480A224FA9}"/>
+                  <a16:creationId xmlns:a16="http://schemas.microsoft.com/office/drawing/2014/main" xmlns="" id="{CD8C3136-B8B8-4E52-B8F9-24480A224FA9}"/>
                 </a:ext>
               </a:extLst>
             </p:cNvPr>
@@ -17187,7 +17637,7 @@
             <p:cNvPr id="40" name="Rectangle 41">
               <a:extLst>
                 <a:ext uri="{FF2B5EF4-FFF2-40B4-BE49-F238E27FC236}">
-                  <a16:creationId xmlns="" xmlns:a16="http://schemas.microsoft.com/office/drawing/2014/main" id="{B36CBCC7-7547-40A1-B9CE-220A129DD53D}"/>
+                  <a16:creationId xmlns:a16="http://schemas.microsoft.com/office/drawing/2014/main" xmlns="" id="{B36CBCC7-7547-40A1-B9CE-220A129DD53D}"/>
                 </a:ext>
               </a:extLst>
             </p:cNvPr>
@@ -17236,7 +17686,7 @@
             <p:cNvPr id="41" name="Freeform 42">
               <a:extLst>
                 <a:ext uri="{FF2B5EF4-FFF2-40B4-BE49-F238E27FC236}">
-                  <a16:creationId xmlns="" xmlns:a16="http://schemas.microsoft.com/office/drawing/2014/main" id="{D8B88A3E-6C6B-4ACD-9010-D75EBEB7AC60}"/>
+                  <a16:creationId xmlns:a16="http://schemas.microsoft.com/office/drawing/2014/main" xmlns="" id="{D8B88A3E-6C6B-4ACD-9010-D75EBEB7AC60}"/>
                 </a:ext>
               </a:extLst>
             </p:cNvPr>
@@ -17384,7 +17834,7 @@
             <p:cNvPr id="42" name="Freeform 43">
               <a:extLst>
                 <a:ext uri="{FF2B5EF4-FFF2-40B4-BE49-F238E27FC236}">
-                  <a16:creationId xmlns="" xmlns:a16="http://schemas.microsoft.com/office/drawing/2014/main" id="{69D4356C-2787-4976-8EA0-94758E0678F0}"/>
+                  <a16:creationId xmlns:a16="http://schemas.microsoft.com/office/drawing/2014/main" xmlns="" id="{69D4356C-2787-4976-8EA0-94758E0678F0}"/>
                 </a:ext>
               </a:extLst>
             </p:cNvPr>
@@ -17516,7 +17966,7 @@
             <p:cNvPr id="43" name="Freeform 44">
               <a:extLst>
                 <a:ext uri="{FF2B5EF4-FFF2-40B4-BE49-F238E27FC236}">
-                  <a16:creationId xmlns="" xmlns:a16="http://schemas.microsoft.com/office/drawing/2014/main" id="{E157F205-A5E6-42B7-9483-523D07E48176}"/>
+                  <a16:creationId xmlns:a16="http://schemas.microsoft.com/office/drawing/2014/main" xmlns="" id="{E157F205-A5E6-42B7-9483-523D07E48176}"/>
                 </a:ext>
               </a:extLst>
             </p:cNvPr>
@@ -17881,7 +18331,7 @@
             <p:cNvPr id="44" name="Freeform 45">
               <a:extLst>
                 <a:ext uri="{FF2B5EF4-FFF2-40B4-BE49-F238E27FC236}">
-                  <a16:creationId xmlns="" xmlns:a16="http://schemas.microsoft.com/office/drawing/2014/main" id="{9E8DD580-CAED-401D-92CD-0944AD844026}"/>
+                  <a16:creationId xmlns:a16="http://schemas.microsoft.com/office/drawing/2014/main" xmlns="" id="{9E8DD580-CAED-401D-92CD-0944AD844026}"/>
                 </a:ext>
               </a:extLst>
             </p:cNvPr>
@@ -18045,7 +18495,7 @@
             <p:cNvPr id="45" name="Freeform 46">
               <a:extLst>
                 <a:ext uri="{FF2B5EF4-FFF2-40B4-BE49-F238E27FC236}">
-                  <a16:creationId xmlns="" xmlns:a16="http://schemas.microsoft.com/office/drawing/2014/main" id="{002B499F-2B63-47C6-886F-DBB27C99BCF6}"/>
+                  <a16:creationId xmlns:a16="http://schemas.microsoft.com/office/drawing/2014/main" xmlns="" id="{002B499F-2B63-47C6-886F-DBB27C99BCF6}"/>
                 </a:ext>
               </a:extLst>
             </p:cNvPr>
@@ -18609,7 +19059,7 @@
             <p:cNvPr id="46" name="Rectangle 47">
               <a:extLst>
                 <a:ext uri="{FF2B5EF4-FFF2-40B4-BE49-F238E27FC236}">
-                  <a16:creationId xmlns="" xmlns:a16="http://schemas.microsoft.com/office/drawing/2014/main" id="{7FA9352C-16D7-4F36-B419-433D683C2FAF}"/>
+                  <a16:creationId xmlns:a16="http://schemas.microsoft.com/office/drawing/2014/main" xmlns="" id="{7FA9352C-16D7-4F36-B419-433D683C2FAF}"/>
                 </a:ext>
               </a:extLst>
             </p:cNvPr>
@@ -18658,7 +19108,7 @@
             <p:cNvPr id="47" name="Freeform 48">
               <a:extLst>
                 <a:ext uri="{FF2B5EF4-FFF2-40B4-BE49-F238E27FC236}">
-                  <a16:creationId xmlns="" xmlns:a16="http://schemas.microsoft.com/office/drawing/2014/main" id="{F1DF9686-51D3-43B1-B1D3-B936415A17C1}"/>
+                  <a16:creationId xmlns:a16="http://schemas.microsoft.com/office/drawing/2014/main" xmlns="" id="{F1DF9686-51D3-43B1-B1D3-B936415A17C1}"/>
                 </a:ext>
               </a:extLst>
             </p:cNvPr>
@@ -19158,7 +19608,7 @@
             <p:cNvPr id="48" name="Freeform 49">
               <a:extLst>
                 <a:ext uri="{FF2B5EF4-FFF2-40B4-BE49-F238E27FC236}">
-                  <a16:creationId xmlns="" xmlns:a16="http://schemas.microsoft.com/office/drawing/2014/main" id="{D58699C8-A387-482F-9C62-785C25D63728}"/>
+                  <a16:creationId xmlns:a16="http://schemas.microsoft.com/office/drawing/2014/main" xmlns="" id="{D58699C8-A387-482F-9C62-785C25D63728}"/>
                 </a:ext>
               </a:extLst>
             </p:cNvPr>
@@ -19306,7 +19756,7 @@
             <p:cNvPr id="49" name="Freeform 50">
               <a:extLst>
                 <a:ext uri="{FF2B5EF4-FFF2-40B4-BE49-F238E27FC236}">
-                  <a16:creationId xmlns="" xmlns:a16="http://schemas.microsoft.com/office/drawing/2014/main" id="{8E8207D3-DC07-4575-86B0-586A9CF00B11}"/>
+                  <a16:creationId xmlns:a16="http://schemas.microsoft.com/office/drawing/2014/main" xmlns="" id="{8E8207D3-DC07-4575-86B0-586A9CF00B11}"/>
                 </a:ext>
               </a:extLst>
             </p:cNvPr>
@@ -19470,7 +19920,7 @@
             <p:cNvPr id="50" name="Freeform 51">
               <a:extLst>
                 <a:ext uri="{FF2B5EF4-FFF2-40B4-BE49-F238E27FC236}">
-                  <a16:creationId xmlns="" xmlns:a16="http://schemas.microsoft.com/office/drawing/2014/main" id="{AF06BF72-1345-4091-994D-7E704CFC6BA0}"/>
+                  <a16:creationId xmlns:a16="http://schemas.microsoft.com/office/drawing/2014/main" xmlns="" id="{AF06BF72-1345-4091-994D-7E704CFC6BA0}"/>
                 </a:ext>
               </a:extLst>
             </p:cNvPr>
@@ -20090,7 +20540,7 @@
   <a:extraClrSchemeLst/>
   <a:extLst>
     <a:ext uri="{05A4C25C-085E-4340-85A3-A5531E510DB2}">
-      <thm15:themeFamily xmlns="" xmlns:thm15="http://schemas.microsoft.com/office/thememl/2012/main" name="프레젠테이션1" id="{9AC0FD34-6406-406E-B5FE-945549501AC2}" vid="{C7C62280-B912-4B31-8960-1A85A40E9155}"/>
+      <thm15:themeFamily xmlns:thm15="http://schemas.microsoft.com/office/thememl/2012/main" xmlns="" name="프레젠테이션1" id="{9AC0FD34-6406-406E-B5FE-945549501AC2}" vid="{C7C62280-B912-4B31-8960-1A85A40E9155}"/>
     </a:ext>
   </a:extLst>
 </a:theme>
